--- a/deliverables/Presentation.pptx
+++ b/deliverables/Presentation.pptx
@@ -161,8 +161,30 @@
                   <a:schemeClr val="tx2"/>
                 </a:solidFill>
               </a:rPr>
-              <a:t>Top 10 Films</a:t>
+              <a:t>Films in the Top 5 Revenue</a:t>
             </a:r>
+            <a:r>
+              <a:rPr lang="en-US" sz="1400" b="0" baseline="0" dirty="0">
+                <a:solidFill>
+                  <a:schemeClr val="tx2"/>
+                </a:solidFill>
+              </a:rPr>
+              <a:t> </a:t>
+            </a:r>
+            <a:r>
+              <a:rPr lang="en-US" sz="1400" b="0" dirty="0">
+                <a:solidFill>
+                  <a:schemeClr val="tx2"/>
+                </a:solidFill>
+              </a:rPr>
+              <a:t>Positions</a:t>
+            </a:r>
+            <a:endParaRPr lang="en-US" sz="1400" b="0" dirty="0">
+              <a:solidFill>
+                <a:schemeClr val="tx2"/>
+              </a:solidFill>
+              <a:latin typeface="+mj-lt"/>
+            </a:endParaRPr>
           </a:p>
         </c:rich>
       </c:tx>
@@ -280,37 +302,22 @@
           </c:dLbls>
           <c:cat>
             <c:strRef>
-              <c:f>Sheet1!$A$2:$A$11</c:f>
+              <c:f>Sheet1!$A$2:$A$6</c:f>
               <c:strCache>
-                <c:ptCount val="10"/>
+                <c:ptCount val="5"/>
                 <c:pt idx="0">
-                  <c:v>Dogma Family</c:v>
+                  <c:v>Saturday Lambs</c:v>
                 </c:pt>
                 <c:pt idx="1">
-                  <c:v>Torque Bound</c:v>
+                  <c:v>Goodfellas Salute</c:v>
                 </c:pt>
                 <c:pt idx="2">
-                  <c:v>Harry Idaho</c:v>
+                  <c:v>Zorro Ark</c:v>
                 </c:pt>
                 <c:pt idx="3">
-                  <c:v>Titans Jerk</c:v>
+                  <c:v>Wife Turn</c:v>
                 </c:pt>
                 <c:pt idx="4">
-                  <c:v>Saturday Lambs</c:v>
-                </c:pt>
-                <c:pt idx="5">
-                  <c:v>Hustler Party</c:v>
-                </c:pt>
-                <c:pt idx="6">
-                  <c:v>Innocent Usual</c:v>
-                </c:pt>
-                <c:pt idx="7">
-                  <c:v>Wife Turn</c:v>
-                </c:pt>
-                <c:pt idx="8">
-                  <c:v>Zorro Ark</c:v>
-                </c:pt>
-                <c:pt idx="9">
                   <c:v>Telegraph Voyage</c:v>
                 </c:pt>
               </c:strCache>
@@ -318,39 +325,24 @@
           </c:cat>
           <c:val>
             <c:numRef>
-              <c:f>Sheet1!$B$2:$B$11</c:f>
+              <c:f>Sheet1!$B$2:$B$6</c:f>
               <c:numCache>
-                <c:formatCode>_-* #,##0\ [$€-407]_-;\-* #,##0\ [$€-407]_-;_-* "-"??\ [$€-407]_-;_-@_-</c:formatCode>
-                <c:ptCount val="10"/>
+                <c:formatCode>_-* #,##0.00\ _€_-;\-* #,##0.00\ _€_-;_-* "-"??\ _€_-;_-@_-</c:formatCode>
+                <c:ptCount val="5"/>
                 <c:pt idx="0">
-                  <c:v>168.72</c:v>
+                  <c:v>204.72</c:v>
                 </c:pt>
                 <c:pt idx="1">
-                  <c:v>169.76</c:v>
+                  <c:v>209.69</c:v>
                 </c:pt>
                 <c:pt idx="2">
-                  <c:v>177.73</c:v>
+                  <c:v>214.69</c:v>
                 </c:pt>
                 <c:pt idx="3">
-                  <c:v>186.73</c:v>
+                  <c:v>223.69</c:v>
                 </c:pt>
                 <c:pt idx="4">
-                  <c:v>190.74</c:v>
-                </c:pt>
-                <c:pt idx="5">
-                  <c:v>190.78</c:v>
-                </c:pt>
-                <c:pt idx="6">
-                  <c:v>191.74</c:v>
-                </c:pt>
-                <c:pt idx="7">
-                  <c:v>198.73</c:v>
-                </c:pt>
-                <c:pt idx="8">
-                  <c:v>199.72</c:v>
-                </c:pt>
-                <c:pt idx="9">
-                  <c:v>215.75</c:v>
+                  <c:v>231.73</c:v>
                 </c:pt>
               </c:numCache>
             </c:numRef>
@@ -461,7 +453,86 @@
             <a:effectLst/>
           </c:spPr>
         </c:majorGridlines>
-        <c:numFmt formatCode="_-* #,##0\ [$€-407]_-;\-* #,##0\ [$€-407]_-;_-* &quot;-&quot;??\ [$€-407]_-;_-@_-" sourceLinked="1"/>
+        <c:title>
+          <c:tx>
+            <c:rich>
+              <a:bodyPr rot="0" spcFirstLastPara="1" vertOverflow="ellipsis" vert="horz" wrap="square" anchor="ctr" anchorCtr="1"/>
+              <a:lstStyle/>
+              <a:p>
+                <a:pPr>
+                  <a:defRPr sz="1197" b="1" i="0" u="none" strike="noStrike" kern="1200" baseline="0">
+                    <a:solidFill>
+                      <a:schemeClr val="dk1">
+                        <a:lumMod val="65000"/>
+                        <a:lumOff val="35000"/>
+                      </a:schemeClr>
+                    </a:solidFill>
+                    <a:latin typeface="+mn-lt"/>
+                    <a:ea typeface="+mn-ea"/>
+                    <a:cs typeface="+mn-cs"/>
+                  </a:defRPr>
+                </a:pPr>
+                <a:r>
+                  <a:rPr lang="en-US" sz="1200" b="0" i="0" u="none" strike="noStrike" kern="1200" cap="none" spc="0" normalizeH="0" baseline="0" dirty="0">
+                    <a:solidFill>
+                      <a:schemeClr val="tx1"/>
+                    </a:solidFill>
+                  </a:rPr>
+                  <a:t>(</a:t>
+                </a:r>
+                <a:r>
+                  <a:rPr lang="en-DE" sz="1200" b="0" i="0" u="none" strike="noStrike" kern="1200" cap="none" spc="0" normalizeH="0" baseline="0" dirty="0">
+                    <a:solidFill>
+                      <a:schemeClr val="tx1"/>
+                    </a:solidFill>
+                    <a:effectLst/>
+                    <a:latin typeface="Menlo" panose="020B0609030804020204" pitchFamily="49" charset="0"/>
+                  </a:rPr>
+                  <a:t>¤</a:t>
+                </a:r>
+                <a:r>
+                  <a:rPr lang="en-DE" sz="1200" b="0" i="0" u="none" strike="noStrike" kern="1200" cap="none" spc="0" normalizeH="0" baseline="0" dirty="0">
+                    <a:solidFill>
+                      <a:schemeClr val="tx1"/>
+                    </a:solidFill>
+                    <a:effectLst/>
+                  </a:rPr>
+                  <a:t>)</a:t>
+                </a:r>
+                <a:endParaRPr lang="en-GB" dirty="0"/>
+              </a:p>
+            </c:rich>
+          </c:tx>
+          <c:overlay val="0"/>
+          <c:spPr>
+            <a:noFill/>
+            <a:ln>
+              <a:noFill/>
+            </a:ln>
+            <a:effectLst/>
+          </c:spPr>
+          <c:txPr>
+            <a:bodyPr rot="0" spcFirstLastPara="1" vertOverflow="ellipsis" vert="horz" wrap="square" anchor="ctr" anchorCtr="1"/>
+            <a:lstStyle/>
+            <a:p>
+              <a:pPr>
+                <a:defRPr sz="1197" b="1" i="0" u="none" strike="noStrike" kern="1200" baseline="0">
+                  <a:solidFill>
+                    <a:schemeClr val="dk1">
+                      <a:lumMod val="65000"/>
+                      <a:lumOff val="35000"/>
+                    </a:schemeClr>
+                  </a:solidFill>
+                  <a:latin typeface="+mn-lt"/>
+                  <a:ea typeface="+mn-ea"/>
+                  <a:cs typeface="+mn-cs"/>
+                </a:defRPr>
+              </a:pPr>
+              <a:endParaRPr lang="en-DE"/>
+            </a:p>
+          </c:txPr>
+        </c:title>
+        <c:numFmt formatCode="_-* #,##0.00\ _€_-;\-* #,##0.00\ _€_-;_-* &quot;-&quot;??\ _€_-;_-@_-" sourceLinked="1"/>
         <c:majorTickMark val="none"/>
         <c:minorTickMark val="none"/>
         <c:tickLblPos val="nextTo"/>
@@ -501,6 +572,7 @@
         <c:crossAx val="356051568"/>
         <c:crosses val="autoZero"/>
         <c:crossBetween val="between"/>
+        <c:majorUnit val="10"/>
       </c:valAx>
       <c:spPr>
         <a:noFill/>
@@ -583,12 +655,12 @@
               </a:defRPr>
             </a:pPr>
             <a:r>
-              <a:rPr lang="en-US" sz="1400" b="0" dirty="0">
+              <a:rPr lang="en-US" sz="1400" b="0" i="0" u="none" strike="noStrike" kern="1200" cap="none" spc="0" normalizeH="0" baseline="0" dirty="0">
                 <a:solidFill>
                   <a:schemeClr val="tx2"/>
                 </a:solidFill>
               </a:rPr>
-              <a:t>Bottom 10 Films</a:t>
+              <a:t>Films Sharing the Bottom 5 Revenue Positions</a:t>
             </a:r>
           </a:p>
         </c:rich>
@@ -707,77 +779,59 @@
           </c:dLbls>
           <c:cat>
             <c:strRef>
-              <c:f>Sheet1!$A$2:$A$11</c:f>
+              <c:f>Sheet1!$A$2:$A$8</c:f>
               <c:strCache>
-                <c:ptCount val="10"/>
+                <c:ptCount val="7"/>
                 <c:pt idx="0">
+                  <c:v>Cruelty Unforgiven</c:v>
+                </c:pt>
+                <c:pt idx="1">
+                  <c:v>Rebel Airport</c:v>
+                </c:pt>
+                <c:pt idx="2">
+                  <c:v>Duffel Apocalypse</c:v>
+                </c:pt>
+                <c:pt idx="3">
+                  <c:v>Young Language</c:v>
+                </c:pt>
+                <c:pt idx="4">
+                  <c:v>Freedom Cleopatra</c:v>
+                </c:pt>
+                <c:pt idx="5">
                   <c:v>Oklahoma Jumanji</c:v>
                 </c:pt>
-                <c:pt idx="1">
-                  <c:v>Duffel Apocalypse</c:v>
-                </c:pt>
-                <c:pt idx="2">
+                <c:pt idx="6">
                   <c:v>Texas Watch</c:v>
-                </c:pt>
-                <c:pt idx="3">
-                  <c:v>Freedom Cleopatra</c:v>
-                </c:pt>
-                <c:pt idx="4">
-                  <c:v>Young Language</c:v>
-                </c:pt>
-                <c:pt idx="5">
-                  <c:v>Rebel Airport</c:v>
-                </c:pt>
-                <c:pt idx="6">
-                  <c:v>Treatment Jekyll</c:v>
-                </c:pt>
-                <c:pt idx="7">
-                  <c:v>Cruelty Unforgiven</c:v>
-                </c:pt>
-                <c:pt idx="8">
-                  <c:v>Lights Deer</c:v>
-                </c:pt>
-                <c:pt idx="9">
-                  <c:v>Japanese Run</c:v>
                 </c:pt>
               </c:strCache>
             </c:strRef>
           </c:cat>
           <c:val>
             <c:numRef>
-              <c:f>Sheet1!$B$2:$B$11</c:f>
+              <c:f>Sheet1!$B$2:$B$8</c:f>
               <c:numCache>
-                <c:formatCode>_-* #,##0\ [$€-407]_-;\-* #,##0\ [$€-407]_-;_-* "-"??\ [$€-407]_-;_-@_-</c:formatCode>
-                <c:ptCount val="10"/>
+                <c:formatCode>_-* #,##0.00\ _€_-;\-* #,##0.00\ _€_-;_-* "-"??\ _€_-;_-@_-</c:formatCode>
+                <c:ptCount val="7"/>
                 <c:pt idx="0">
+                  <c:v>7.93</c:v>
+                </c:pt>
+                <c:pt idx="1">
+                  <c:v>7.92</c:v>
+                </c:pt>
+                <c:pt idx="2">
+                  <c:v>6.93</c:v>
+                </c:pt>
+                <c:pt idx="3">
+                  <c:v>6.93</c:v>
+                </c:pt>
+                <c:pt idx="4">
+                  <c:v>5.95</c:v>
+                </c:pt>
+                <c:pt idx="5">
                   <c:v>5.94</c:v>
                 </c:pt>
-                <c:pt idx="1">
+                <c:pt idx="6">
                   <c:v>5.94</c:v>
-                </c:pt>
-                <c:pt idx="2">
-                  <c:v>5.94</c:v>
-                </c:pt>
-                <c:pt idx="3">
-                  <c:v>5.95</c:v>
-                </c:pt>
-                <c:pt idx="4">
-                  <c:v>6.93</c:v>
-                </c:pt>
-                <c:pt idx="5">
-                  <c:v>6.93</c:v>
-                </c:pt>
-                <c:pt idx="6">
-                  <c:v>6.94</c:v>
-                </c:pt>
-                <c:pt idx="7">
-                  <c:v>6.94</c:v>
-                </c:pt>
-                <c:pt idx="8">
-                  <c:v>7.93</c:v>
-                </c:pt>
-                <c:pt idx="9">
-                  <c:v>7.94</c:v>
                 </c:pt>
               </c:numCache>
             </c:numRef>
@@ -871,6 +925,8 @@
         <c:axId val="1141022816"/>
         <c:scaling>
           <c:orientation val="minMax"/>
+          <c:max val="9"/>
+          <c:min val="4"/>
         </c:scaling>
         <c:delete val="0"/>
         <c:axPos val="b"/>
@@ -888,7 +944,93 @@
             <a:effectLst/>
           </c:spPr>
         </c:majorGridlines>
-        <c:numFmt formatCode="_-* #,##0\ [$€-407]_-;\-* #,##0\ [$€-407]_-;_-* &quot;-&quot;??\ [$€-407]_-;_-@_-" sourceLinked="1"/>
+        <c:title>
+          <c:tx>
+            <c:rich>
+              <a:bodyPr rot="0" spcFirstLastPara="1" vertOverflow="ellipsis" vert="horz" wrap="square" anchor="ctr" anchorCtr="1"/>
+              <a:lstStyle/>
+              <a:p>
+                <a:pPr>
+                  <a:defRPr sz="1197" b="1" i="0" u="none" strike="noStrike" kern="1200" baseline="0">
+                    <a:solidFill>
+                      <a:schemeClr val="dk1">
+                        <a:lumMod val="65000"/>
+                        <a:lumOff val="35000"/>
+                      </a:schemeClr>
+                    </a:solidFill>
+                    <a:latin typeface="+mn-lt"/>
+                    <a:ea typeface="+mn-ea"/>
+                    <a:cs typeface="+mn-cs"/>
+                  </a:defRPr>
+                </a:pPr>
+                <a:r>
+                  <a:rPr lang="en-US" sz="1100" b="0" i="0" u="none" strike="noStrike" kern="1200" cap="none" spc="0" normalizeH="0" baseline="0" dirty="0">
+                    <a:solidFill>
+                      <a:schemeClr val="tx1"/>
+                    </a:solidFill>
+                  </a:rPr>
+                  <a:t>(</a:t>
+                </a:r>
+                <a:r>
+                  <a:rPr lang="en-DE" sz="1100" b="0" i="0" u="none" strike="noStrike" kern="1200" cap="none" spc="0" normalizeH="0" baseline="0" dirty="0">
+                    <a:solidFill>
+                      <a:schemeClr val="tx1"/>
+                    </a:solidFill>
+                    <a:effectLst/>
+                    <a:latin typeface="Menlo" panose="020B0609030804020204" pitchFamily="49" charset="0"/>
+                  </a:rPr>
+                  <a:t>¤</a:t>
+                </a:r>
+                <a:r>
+                  <a:rPr lang="en-DE" sz="1100" b="0" i="0" u="none" strike="noStrike" kern="1200" cap="none" spc="0" normalizeH="0" baseline="0" dirty="0">
+                    <a:solidFill>
+                      <a:schemeClr val="tx1"/>
+                    </a:solidFill>
+                    <a:effectLst/>
+                  </a:rPr>
+                  <a:t>)</a:t>
+                </a:r>
+                <a:endParaRPr lang="en-GB" sz="1100" b="1" i="0" u="none" strike="noStrike" kern="1200" baseline="0" dirty="0">
+                  <a:solidFill>
+                    <a:prstClr val="black">
+                      <a:lumMod val="65000"/>
+                      <a:lumOff val="35000"/>
+                    </a:prstClr>
+                  </a:solidFill>
+                </a:endParaRPr>
+              </a:p>
+            </c:rich>
+          </c:tx>
+          <c:overlay val="0"/>
+          <c:spPr>
+            <a:noFill/>
+            <a:ln>
+              <a:noFill/>
+            </a:ln>
+            <a:effectLst/>
+          </c:spPr>
+          <c:txPr>
+            <a:bodyPr rot="0" spcFirstLastPara="1" vertOverflow="ellipsis" vert="horz" wrap="square" anchor="ctr" anchorCtr="1"/>
+            <a:lstStyle/>
+            <a:p>
+              <a:pPr>
+                <a:defRPr sz="1197" b="1" i="0" u="none" strike="noStrike" kern="1200" baseline="0">
+                  <a:solidFill>
+                    <a:schemeClr val="dk1">
+                      <a:lumMod val="65000"/>
+                      <a:lumOff val="35000"/>
+                    </a:schemeClr>
+                  </a:solidFill>
+                  <a:latin typeface="+mn-lt"/>
+                  <a:ea typeface="+mn-ea"/>
+                  <a:cs typeface="+mn-cs"/>
+                </a:defRPr>
+              </a:pPr>
+              <a:endParaRPr lang="en-DE"/>
+            </a:p>
+          </c:txPr>
+        </c:title>
+        <c:numFmt formatCode="_-* #,##0.00\ _€_-;\-* #,##0.00\ _€_-;_-* &quot;-&quot;??\ _€_-;_-@_-" sourceLinked="1"/>
         <c:majorTickMark val="none"/>
         <c:minorTickMark val="none"/>
         <c:tickLblPos val="nextTo"/>
@@ -928,6 +1070,8 @@
         <c:crossAx val="1141336160"/>
         <c:crosses val="autoZero"/>
         <c:crossBetween val="between"/>
+        <c:majorUnit val="1"/>
+        <c:minorUnit val="0.5"/>
       </c:valAx>
       <c:spPr>
         <a:noFill/>
@@ -1081,53 +1225,47 @@
           <c:invertIfNegative val="0"/>
           <c:cat>
             <c:strRef>
-              <c:f>Sheet1!$A$2:$A$7</c:f>
+              <c:f>Sheet1!$A$2:$A$6</c:f>
               <c:strCache>
-                <c:ptCount val="6"/>
+                <c:ptCount val="5"/>
                 <c:pt idx="0">
-                  <c:v>Africa</c:v>
+                  <c:v>Asia-Pacific</c:v>
                 </c:pt>
                 <c:pt idx="1">
-                  <c:v>Asia</c:v>
+                  <c:v>Europe</c:v>
                 </c:pt>
                 <c:pt idx="2">
-                  <c:v>Europe</c:v>
+                  <c:v>Latin America</c:v>
                 </c:pt>
                 <c:pt idx="3">
                   <c:v>North America</c:v>
                 </c:pt>
                 <c:pt idx="4">
-                  <c:v>Oceania</c:v>
-                </c:pt>
-                <c:pt idx="5">
-                  <c:v>South America</c:v>
+                  <c:v>Middle East and Africa</c:v>
                 </c:pt>
               </c:strCache>
             </c:strRef>
           </c:cat>
           <c:val>
             <c:numRef>
-              <c:f>Sheet1!$B$2:$B$7</c:f>
+              <c:f>Sheet1!$B$2:$B$6</c:f>
               <c:numCache>
                 <c:formatCode>General</c:formatCode>
-                <c:ptCount val="6"/>
+                <c:ptCount val="5"/>
                 <c:pt idx="0">
-                  <c:v>61</c:v>
+                  <c:v>235</c:v>
                 </c:pt>
                 <c:pt idx="1">
-                  <c:v>273</c:v>
+                  <c:v>109</c:v>
                 </c:pt>
                 <c:pt idx="2">
-                  <c:v>108</c:v>
+                  <c:v>73</c:v>
                 </c:pt>
                 <c:pt idx="3">
-                  <c:v>80</c:v>
+                  <c:v>106</c:v>
                 </c:pt>
                 <c:pt idx="4">
-                  <c:v>7</c:v>
-                </c:pt>
-                <c:pt idx="5">
-                  <c:v>70</c:v>
+                  <c:v>76</c:v>
                 </c:pt>
               </c:numCache>
             </c:numRef>
@@ -1181,53 +1319,47 @@
           </c:marker>
           <c:cat>
             <c:strRef>
-              <c:f>Sheet1!$A$2:$A$7</c:f>
+              <c:f>Sheet1!$A$2:$A$6</c:f>
               <c:strCache>
-                <c:ptCount val="6"/>
+                <c:ptCount val="5"/>
                 <c:pt idx="0">
-                  <c:v>Africa</c:v>
+                  <c:v>Asia-Pacific</c:v>
                 </c:pt>
                 <c:pt idx="1">
-                  <c:v>Asia</c:v>
+                  <c:v>Europe</c:v>
                 </c:pt>
                 <c:pt idx="2">
-                  <c:v>Europe</c:v>
+                  <c:v>Latin America</c:v>
                 </c:pt>
                 <c:pt idx="3">
                   <c:v>North America</c:v>
                 </c:pt>
                 <c:pt idx="4">
-                  <c:v>Oceania</c:v>
-                </c:pt>
-                <c:pt idx="5">
-                  <c:v>South America</c:v>
+                  <c:v>Middle East and Africa</c:v>
                 </c:pt>
               </c:strCache>
             </c:strRef>
           </c:cat>
           <c:val>
             <c:numRef>
-              <c:f>Sheet1!$C$2:$C$7</c:f>
+              <c:f>Sheet1!$C$2:$C$6</c:f>
               <c:numCache>
                 <c:formatCode>General</c:formatCode>
-                <c:ptCount val="6"/>
+                <c:ptCount val="5"/>
                 <c:pt idx="0">
-                  <c:v>6342.01</c:v>
+                  <c:v>26468</c:v>
                 </c:pt>
                 <c:pt idx="1">
-                  <c:v>27955.949999999993</c:v>
+                  <c:v>12256</c:v>
                 </c:pt>
                 <c:pt idx="2">
-                  <c:v>11066.890000000001</c:v>
+                  <c:v>8096</c:v>
                 </c:pt>
                 <c:pt idx="3">
-                  <c:v>8164.48</c:v>
+                  <c:v>11995</c:v>
                 </c:pt>
                 <c:pt idx="4">
-                  <c:v>641.45999999999992</c:v>
-                </c:pt>
-                <c:pt idx="5">
-                  <c:v>7141.2500000000009</c:v>
+                  <c:v>8591</c:v>
                 </c:pt>
               </c:numCache>
             </c:numRef>
@@ -1430,13 +1562,36 @@
                   </a:defRPr>
                 </a:pPr>
                 <a:r>
-                  <a:rPr lang="en-US">
+                  <a:rPr lang="en-US" dirty="0">
                     <a:solidFill>
                       <a:schemeClr val="accent2"/>
                     </a:solidFill>
                   </a:rPr>
-                  <a:t>Total Revenue</a:t>
+                  <a:t>Total Revenue </a:t>
                 </a:r>
+                <a:r>
+                  <a:rPr lang="en-US" b="1" dirty="0">
+                    <a:solidFill>
+                      <a:srgbClr val="EA7131"/>
+                    </a:solidFill>
+                  </a:rPr>
+                  <a:t>(</a:t>
+                </a:r>
+                <a:r>
+                  <a:rPr lang="en-DE" sz="1200" b="1" i="0" u="none" strike="noStrike" kern="1200" baseline="0" dirty="0">
+                    <a:solidFill>
+                      <a:srgbClr val="EA7131"/>
+                    </a:solidFill>
+                    <a:effectLst/>
+                    <a:latin typeface="Menlo" panose="020B0609030804020204" pitchFamily="49" charset="0"/>
+                  </a:rPr>
+                  <a:t>¤)</a:t>
+                </a:r>
+                <a:endParaRPr lang="en-US" b="1" dirty="0">
+                  <a:solidFill>
+                    <a:srgbClr val="EA7131"/>
+                  </a:solidFill>
+                </a:endParaRPr>
               </a:p>
             </c:rich>
           </c:tx>
@@ -4942,10 +5097,16 @@
         <a:lstStyle/>
         <a:p>
           <a:r>
-            <a:rPr lang="en-ZA" sz="1800" dirty="0"/>
-            <a:t>1000 Films</a:t>
+            <a:rPr lang="en-ZA" sz="1800" dirty="0">
+              <a:latin typeface="Heiti SC Medium" pitchFamily="2" charset="-128"/>
+              <a:ea typeface="Heiti SC Medium" pitchFamily="2" charset="-128"/>
+            </a:rPr>
+            <a:t>958 Films</a:t>
           </a:r>
-          <a:endParaRPr lang="en-US" sz="1800" dirty="0"/>
+          <a:endParaRPr lang="en-US" sz="1800" dirty="0">
+            <a:latin typeface="Heiti SC Medium" pitchFamily="2" charset="-128"/>
+            <a:ea typeface="Heiti SC Medium" pitchFamily="2" charset="-128"/>
+          </a:endParaRPr>
         </a:p>
       </dgm:t>
     </dgm:pt>
@@ -4979,10 +5140,16 @@
         <a:lstStyle/>
         <a:p>
           <a:r>
-            <a:rPr lang="en-ZA" sz="1800" dirty="0"/>
-            <a:t>1 Language (English)</a:t>
+            <a:rPr lang="en-ZA" sz="1800" dirty="0">
+              <a:latin typeface="Heiti SC Medium" pitchFamily="2" charset="-128"/>
+              <a:ea typeface="Heiti SC Medium" pitchFamily="2" charset="-128"/>
+            </a:rPr>
+            <a:t>16 Categories</a:t>
           </a:r>
-          <a:endParaRPr lang="en-US" sz="1800" dirty="0"/>
+          <a:endParaRPr lang="en-US" sz="1800" dirty="0">
+            <a:latin typeface="Heiti SC Medium" pitchFamily="2" charset="-128"/>
+            <a:ea typeface="Heiti SC Medium" pitchFamily="2" charset="-128"/>
+          </a:endParaRPr>
         </a:p>
       </dgm:t>
     </dgm:pt>
@@ -5016,10 +5183,16 @@
         <a:lstStyle/>
         <a:p>
           <a:r>
-            <a:rPr lang="en-ZA" sz="1800" dirty="0"/>
-            <a:t>1 Release Year (2006)</a:t>
+            <a:rPr lang="en-ZA" sz="1800" dirty="0">
+              <a:latin typeface="Heiti SC Medium" pitchFamily="2" charset="-128"/>
+              <a:ea typeface="Heiti SC Medium" pitchFamily="2" charset="-128"/>
+            </a:rPr>
+            <a:t>5 Ratings</a:t>
           </a:r>
-          <a:endParaRPr lang="en-US" sz="1800" dirty="0"/>
+          <a:endParaRPr lang="en-US" sz="1800" dirty="0">
+            <a:latin typeface="Heiti SC Medium" pitchFamily="2" charset="-128"/>
+            <a:ea typeface="Heiti SC Medium" pitchFamily="2" charset="-128"/>
+          </a:endParaRPr>
         </a:p>
       </dgm:t>
     </dgm:pt>
@@ -5053,10 +5226,16 @@
         <a:lstStyle/>
         <a:p>
           <a:r>
-            <a:rPr lang="en-ZA" sz="1800" dirty="0"/>
-            <a:t>17 Categories</a:t>
+            <a:rPr lang="en-ZA" sz="1800" dirty="0">
+              <a:latin typeface="Heiti SC Medium" pitchFamily="2" charset="-128"/>
+              <a:ea typeface="Heiti SC Medium" pitchFamily="2" charset="-128"/>
+            </a:rPr>
+            <a:t>1 Release Year (2006)</a:t>
           </a:r>
-          <a:endParaRPr lang="en-US" sz="1800" dirty="0"/>
+          <a:endParaRPr lang="en-US" sz="1800" dirty="0">
+            <a:latin typeface="Heiti SC Medium" pitchFamily="2" charset="-128"/>
+            <a:ea typeface="Heiti SC Medium" pitchFamily="2" charset="-128"/>
+          </a:endParaRPr>
         </a:p>
       </dgm:t>
     </dgm:pt>
@@ -5090,10 +5269,16 @@
         <a:lstStyle/>
         <a:p>
           <a:r>
-            <a:rPr lang="en-ZA" sz="1800" dirty="0"/>
-            <a:t>5 Ratings</a:t>
+            <a:rPr lang="en-ZA" sz="1800" dirty="0">
+              <a:latin typeface="Heiti SC Medium" pitchFamily="2" charset="-128"/>
+              <a:ea typeface="Heiti SC Medium" pitchFamily="2" charset="-128"/>
+            </a:rPr>
+            <a:t>1 Language (English)</a:t>
           </a:r>
-          <a:endParaRPr lang="en-US" sz="1800" dirty="0"/>
+          <a:endParaRPr lang="en-US" sz="1800" dirty="0">
+            <a:latin typeface="Heiti SC Medium" pitchFamily="2" charset="-128"/>
+            <a:ea typeface="Heiti SC Medium" pitchFamily="2" charset="-128"/>
+          </a:endParaRPr>
         </a:p>
       </dgm:t>
     </dgm:pt>
@@ -5370,10 +5555,16 @@
         <a:lstStyle/>
         <a:p>
           <a:r>
-            <a:rPr lang="en-ZA" sz="1800" dirty="0"/>
+            <a:rPr lang="en-ZA" sz="1800" dirty="0">
+              <a:latin typeface="Heiti SC Medium" pitchFamily="2" charset="-128"/>
+              <a:ea typeface="Heiti SC Medium" pitchFamily="2" charset="-128"/>
+            </a:rPr>
             <a:t>599 Customers</a:t>
           </a:r>
-          <a:endParaRPr lang="en-US" sz="1800" dirty="0"/>
+          <a:endParaRPr lang="en-US" sz="1800" dirty="0">
+            <a:latin typeface="Heiti SC Medium" pitchFamily="2" charset="-128"/>
+            <a:ea typeface="Heiti SC Medium" pitchFamily="2" charset="-128"/>
+          </a:endParaRPr>
         </a:p>
       </dgm:t>
     </dgm:pt>
@@ -5407,10 +5598,16 @@
         <a:lstStyle/>
         <a:p>
           <a:r>
-            <a:rPr lang="en-ZA" sz="1800" dirty="0"/>
+            <a:rPr lang="en-ZA" sz="1800" dirty="0">
+              <a:latin typeface="Heiti SC Medium" pitchFamily="2" charset="-128"/>
+              <a:ea typeface="Heiti SC Medium" pitchFamily="2" charset="-128"/>
+            </a:rPr>
             <a:t>108 Countries</a:t>
           </a:r>
-          <a:endParaRPr lang="en-US" sz="1800" dirty="0"/>
+          <a:endParaRPr lang="en-US" sz="1800" dirty="0">
+            <a:latin typeface="Heiti SC Medium" pitchFamily="2" charset="-128"/>
+            <a:ea typeface="Heiti SC Medium" pitchFamily="2" charset="-128"/>
+          </a:endParaRPr>
         </a:p>
       </dgm:t>
     </dgm:pt>
@@ -5444,10 +5641,16 @@
         <a:lstStyle/>
         <a:p>
           <a:r>
-            <a:rPr lang="en-ZA" sz="1800" dirty="0"/>
+            <a:rPr lang="en-ZA" sz="1800" dirty="0">
+              <a:latin typeface="Heiti SC Medium" pitchFamily="2" charset="-128"/>
+              <a:ea typeface="Heiti SC Medium" pitchFamily="2" charset="-128"/>
+            </a:rPr>
             <a:t>597 Cities</a:t>
           </a:r>
-          <a:endParaRPr lang="en-US" sz="1800" dirty="0"/>
+          <a:endParaRPr lang="en-US" sz="1800" dirty="0">
+            <a:latin typeface="Heiti SC Medium" pitchFamily="2" charset="-128"/>
+            <a:ea typeface="Heiti SC Medium" pitchFamily="2" charset="-128"/>
+          </a:endParaRPr>
         </a:p>
       </dgm:t>
     </dgm:pt>
@@ -5771,10 +5974,16 @@
             <a:buNone/>
           </a:pPr>
           <a:r>
-            <a:rPr lang="en-ZA" sz="1800" kern="1200" dirty="0"/>
-            <a:t>1000 Films</a:t>
+            <a:rPr lang="en-ZA" sz="1800" kern="1200" dirty="0">
+              <a:latin typeface="Heiti SC Medium" pitchFamily="2" charset="-128"/>
+              <a:ea typeface="Heiti SC Medium" pitchFamily="2" charset="-128"/>
+            </a:rPr>
+            <a:t>958 Films</a:t>
           </a:r>
-          <a:endParaRPr lang="en-US" sz="1800" kern="1200" dirty="0"/>
+          <a:endParaRPr lang="en-US" sz="1800" kern="1200" dirty="0">
+            <a:latin typeface="Heiti SC Medium" pitchFamily="2" charset="-128"/>
+            <a:ea typeface="Heiti SC Medium" pitchFamily="2" charset="-128"/>
+          </a:endParaRPr>
         </a:p>
       </dsp:txBody>
       <dsp:txXfrm>
@@ -5927,10 +6136,16 @@
             <a:buNone/>
           </a:pPr>
           <a:r>
-            <a:rPr lang="en-ZA" sz="1800" kern="1200" dirty="0"/>
-            <a:t>1 Language (English)</a:t>
+            <a:rPr lang="en-ZA" sz="1800" kern="1200" dirty="0">
+              <a:latin typeface="Heiti SC Medium" pitchFamily="2" charset="-128"/>
+              <a:ea typeface="Heiti SC Medium" pitchFamily="2" charset="-128"/>
+            </a:rPr>
+            <a:t>16 Categories</a:t>
           </a:r>
-          <a:endParaRPr lang="en-US" sz="1800" kern="1200" dirty="0"/>
+          <a:endParaRPr lang="en-US" sz="1800" kern="1200" dirty="0">
+            <a:latin typeface="Heiti SC Medium" pitchFamily="2" charset="-128"/>
+            <a:ea typeface="Heiti SC Medium" pitchFamily="2" charset="-128"/>
+          </a:endParaRPr>
         </a:p>
       </dsp:txBody>
       <dsp:txXfrm>
@@ -6083,10 +6298,16 @@
             <a:buNone/>
           </a:pPr>
           <a:r>
-            <a:rPr lang="en-ZA" sz="1800" kern="1200" dirty="0"/>
-            <a:t>1 Release Year (2006)</a:t>
+            <a:rPr lang="en-ZA" sz="1800" kern="1200" dirty="0">
+              <a:latin typeface="Heiti SC Medium" pitchFamily="2" charset="-128"/>
+              <a:ea typeface="Heiti SC Medium" pitchFamily="2" charset="-128"/>
+            </a:rPr>
+            <a:t>5 Ratings</a:t>
           </a:r>
-          <a:endParaRPr lang="en-US" sz="1800" kern="1200" dirty="0"/>
+          <a:endParaRPr lang="en-US" sz="1800" kern="1200" dirty="0">
+            <a:latin typeface="Heiti SC Medium" pitchFamily="2" charset="-128"/>
+            <a:ea typeface="Heiti SC Medium" pitchFamily="2" charset="-128"/>
+          </a:endParaRPr>
         </a:p>
       </dsp:txBody>
       <dsp:txXfrm>
@@ -6239,10 +6460,16 @@
             <a:buNone/>
           </a:pPr>
           <a:r>
-            <a:rPr lang="en-ZA" sz="1800" kern="1200" dirty="0"/>
-            <a:t>17 Categories</a:t>
+            <a:rPr lang="en-ZA" sz="1800" kern="1200" dirty="0">
+              <a:latin typeface="Heiti SC Medium" pitchFamily="2" charset="-128"/>
+              <a:ea typeface="Heiti SC Medium" pitchFamily="2" charset="-128"/>
+            </a:rPr>
+            <a:t>1 Release Year (2006)</a:t>
           </a:r>
-          <a:endParaRPr lang="en-US" sz="1800" kern="1200" dirty="0"/>
+          <a:endParaRPr lang="en-US" sz="1800" kern="1200" dirty="0">
+            <a:latin typeface="Heiti SC Medium" pitchFamily="2" charset="-128"/>
+            <a:ea typeface="Heiti SC Medium" pitchFamily="2" charset="-128"/>
+          </a:endParaRPr>
         </a:p>
       </dsp:txBody>
       <dsp:txXfrm>
@@ -6395,10 +6622,16 @@
             <a:buNone/>
           </a:pPr>
           <a:r>
-            <a:rPr lang="en-ZA" sz="1800" kern="1200" dirty="0"/>
-            <a:t>5 Ratings</a:t>
+            <a:rPr lang="en-ZA" sz="1800" kern="1200" dirty="0">
+              <a:latin typeface="Heiti SC Medium" pitchFamily="2" charset="-128"/>
+              <a:ea typeface="Heiti SC Medium" pitchFamily="2" charset="-128"/>
+            </a:rPr>
+            <a:t>1 Language (English)</a:t>
           </a:r>
-          <a:endParaRPr lang="en-US" sz="1800" kern="1200" dirty="0"/>
+          <a:endParaRPr lang="en-US" sz="1800" kern="1200" dirty="0">
+            <a:latin typeface="Heiti SC Medium" pitchFamily="2" charset="-128"/>
+            <a:ea typeface="Heiti SC Medium" pitchFamily="2" charset="-128"/>
+          </a:endParaRPr>
         </a:p>
       </dsp:txBody>
       <dsp:txXfrm>
@@ -6563,10 +6796,16 @@
             <a:buNone/>
           </a:pPr>
           <a:r>
-            <a:rPr lang="en-ZA" sz="1800" kern="1200" dirty="0"/>
+            <a:rPr lang="en-ZA" sz="1800" kern="1200" dirty="0">
+              <a:latin typeface="Heiti SC Medium" pitchFamily="2" charset="-128"/>
+              <a:ea typeface="Heiti SC Medium" pitchFamily="2" charset="-128"/>
+            </a:rPr>
             <a:t>599 Customers</a:t>
           </a:r>
-          <a:endParaRPr lang="en-US" sz="1800" kern="1200" dirty="0"/>
+          <a:endParaRPr lang="en-US" sz="1800" kern="1200" dirty="0">
+            <a:latin typeface="Heiti SC Medium" pitchFamily="2" charset="-128"/>
+            <a:ea typeface="Heiti SC Medium" pitchFamily="2" charset="-128"/>
+          </a:endParaRPr>
         </a:p>
       </dsp:txBody>
       <dsp:txXfrm>
@@ -6719,10 +6958,16 @@
             <a:buNone/>
           </a:pPr>
           <a:r>
-            <a:rPr lang="en-ZA" sz="1800" kern="1200" dirty="0"/>
+            <a:rPr lang="en-ZA" sz="1800" kern="1200" dirty="0">
+              <a:latin typeface="Heiti SC Medium" pitchFamily="2" charset="-128"/>
+              <a:ea typeface="Heiti SC Medium" pitchFamily="2" charset="-128"/>
+            </a:rPr>
             <a:t>108 Countries</a:t>
           </a:r>
-          <a:endParaRPr lang="en-US" sz="1800" kern="1200" dirty="0"/>
+          <a:endParaRPr lang="en-US" sz="1800" kern="1200" dirty="0">
+            <a:latin typeface="Heiti SC Medium" pitchFamily="2" charset="-128"/>
+            <a:ea typeface="Heiti SC Medium" pitchFamily="2" charset="-128"/>
+          </a:endParaRPr>
         </a:p>
       </dsp:txBody>
       <dsp:txXfrm>
@@ -6875,10 +7120,16 @@
             <a:buNone/>
           </a:pPr>
           <a:r>
-            <a:rPr lang="en-ZA" sz="1800" kern="1200" dirty="0"/>
+            <a:rPr lang="en-ZA" sz="1800" kern="1200" dirty="0">
+              <a:latin typeface="Heiti SC Medium" pitchFamily="2" charset="-128"/>
+              <a:ea typeface="Heiti SC Medium" pitchFamily="2" charset="-128"/>
+            </a:rPr>
             <a:t>597 Cities</a:t>
           </a:r>
-          <a:endParaRPr lang="en-US" sz="1800" kern="1200" dirty="0"/>
+          <a:endParaRPr lang="en-US" sz="1800" kern="1200" dirty="0">
+            <a:latin typeface="Heiti SC Medium" pitchFamily="2" charset="-128"/>
+            <a:ea typeface="Heiti SC Medium" pitchFamily="2" charset="-128"/>
+          </a:endParaRPr>
         </a:p>
       </dsp:txBody>
       <dsp:txXfrm>
@@ -9490,7 +9741,7 @@
           <a:p>
             <a:fld id="{5EDCA2B6-52D6-DD40-AC41-D11F4BF1A7C4}" type="datetimeFigureOut">
               <a:rPr lang="en-GB" smtClean="0"/>
-              <a:t>28/04/2025</a:t>
+              <a:t>30/05/2025</a:t>
             </a:fld>
             <a:endParaRPr lang="en-GB"/>
           </a:p>
@@ -9841,6 +10092,90 @@
 </p:notes>
 </file>
 
+<file path=ppt/notesSlides/notesSlide2.xml><?xml version="1.0" encoding="utf-8"?>
+<p:notes xmlns:a="http://schemas.openxmlformats.org/drawingml/2006/main" xmlns:r="http://schemas.openxmlformats.org/officeDocument/2006/relationships" xmlns:p="http://schemas.openxmlformats.org/presentationml/2006/main">
+  <p:cSld>
+    <p:spTree>
+      <p:nvGrpSpPr>
+        <p:cNvPr id="1" name=""/>
+        <p:cNvGrpSpPr/>
+        <p:nvPr/>
+      </p:nvGrpSpPr>
+      <p:grpSpPr>
+        <a:xfrm>
+          <a:off x="0" y="0"/>
+          <a:ext cx="0" cy="0"/>
+          <a:chOff x="0" y="0"/>
+          <a:chExt cx="0" cy="0"/>
+        </a:xfrm>
+      </p:grpSpPr>
+      <p:sp>
+        <p:nvSpPr>
+          <p:cNvPr id="2" name="Slide Image Placeholder 1"/>
+          <p:cNvSpPr>
+            <a:spLocks noGrp="1" noRot="1" noChangeAspect="1"/>
+          </p:cNvSpPr>
+          <p:nvPr>
+            <p:ph type="sldImg"/>
+          </p:nvPr>
+        </p:nvSpPr>
+        <p:spPr/>
+      </p:sp>
+      <p:sp>
+        <p:nvSpPr>
+          <p:cNvPr id="3" name="Notes Placeholder 2"/>
+          <p:cNvSpPr>
+            <a:spLocks noGrp="1"/>
+          </p:cNvSpPr>
+          <p:nvPr>
+            <p:ph type="body" idx="1"/>
+          </p:nvPr>
+        </p:nvSpPr>
+        <p:spPr/>
+        <p:txBody>
+          <a:bodyPr/>
+          <a:lstStyle/>
+          <a:p>
+            <a:endParaRPr lang="en-GB" dirty="0"/>
+          </a:p>
+        </p:txBody>
+      </p:sp>
+      <p:sp>
+        <p:nvSpPr>
+          <p:cNvPr id="4" name="Slide Number Placeholder 3"/>
+          <p:cNvSpPr>
+            <a:spLocks noGrp="1"/>
+          </p:cNvSpPr>
+          <p:nvPr>
+            <p:ph type="sldNum" sz="quarter" idx="5"/>
+          </p:nvPr>
+        </p:nvSpPr>
+        <p:spPr/>
+        <p:txBody>
+          <a:bodyPr/>
+          <a:lstStyle/>
+          <a:p>
+            <a:fld id="{04F66B4B-2C01-2B42-9858-F4B6C9FD3D37}" type="slidenum">
+              <a:rPr lang="en-GB" smtClean="0"/>
+              <a:t>3</a:t>
+            </a:fld>
+            <a:endParaRPr lang="en-GB"/>
+          </a:p>
+        </p:txBody>
+      </p:sp>
+    </p:spTree>
+    <p:extLst>
+      <p:ext uri="{BB962C8B-B14F-4D97-AF65-F5344CB8AC3E}">
+        <p14:creationId xmlns:p14="http://schemas.microsoft.com/office/powerpoint/2010/main" val="1292038758"/>
+      </p:ext>
+    </p:extLst>
+  </p:cSld>
+  <p:clrMapOvr>
+    <a:masterClrMapping/>
+  </p:clrMapOvr>
+</p:notes>
+</file>
+
 <file path=ppt/slideLayouts/slideLayout1.xml><?xml version="1.0" encoding="utf-8"?>
 <p:sldLayout xmlns:a="http://schemas.openxmlformats.org/drawingml/2006/main" xmlns:r="http://schemas.openxmlformats.org/officeDocument/2006/relationships" xmlns:p="http://schemas.openxmlformats.org/presentationml/2006/main" type="title" preserve="1">
   <p:cSld name="Title Slide">
@@ -10027,7 +10362,7 @@
           <a:p>
             <a:fld id="{4AAD347D-5ACD-4C99-B74B-A9C85AD731AF}" type="datetimeFigureOut">
               <a:rPr lang="en-US" dirty="0"/>
-              <a:t>4/28/25</a:t>
+              <a:t>5/30/25</a:t>
             </a:fld>
             <a:endParaRPr lang="en-US" dirty="0"/>
           </a:p>
@@ -10297,7 +10632,7 @@
           <a:p>
             <a:fld id="{4509A250-FF31-4206-8172-F9D3106AACB1}" type="datetimeFigureOut">
               <a:rPr lang="en-US" dirty="0"/>
-              <a:t>4/28/25</a:t>
+              <a:t>5/30/25</a:t>
             </a:fld>
             <a:endParaRPr lang="en-US" dirty="0"/>
           </a:p>
@@ -10486,7 +10821,7 @@
           <a:p>
             <a:fld id="{4509A250-FF31-4206-8172-F9D3106AACB1}" type="datetimeFigureOut">
               <a:rPr lang="en-US" dirty="0"/>
-              <a:t>4/28/25</a:t>
+              <a:t>5/30/25</a:t>
             </a:fld>
             <a:endParaRPr lang="en-US" dirty="0"/>
           </a:p>
@@ -10754,7 +11089,7 @@
           <a:p>
             <a:fld id="{4509A250-FF31-4206-8172-F9D3106AACB1}" type="datetimeFigureOut">
               <a:rPr lang="en-US" dirty="0"/>
-              <a:t>4/28/25</a:t>
+              <a:t>5/30/25</a:t>
             </a:fld>
             <a:endParaRPr lang="en-US" dirty="0"/>
           </a:p>
@@ -11090,7 +11425,7 @@
           <a:p>
             <a:fld id="{4509A250-FF31-4206-8172-F9D3106AACB1}" type="datetimeFigureOut">
               <a:rPr lang="en-US" dirty="0"/>
-              <a:t>4/28/25</a:t>
+              <a:t>5/30/25</a:t>
             </a:fld>
             <a:endParaRPr lang="en-US" dirty="0"/>
           </a:p>
@@ -11708,7 +12043,7 @@
           <a:p>
             <a:fld id="{4509A250-FF31-4206-8172-F9D3106AACB1}" type="datetimeFigureOut">
               <a:rPr lang="en-US" dirty="0"/>
-              <a:t>4/28/25</a:t>
+              <a:t>5/30/25</a:t>
             </a:fld>
             <a:endParaRPr lang="en-US" dirty="0"/>
           </a:p>
@@ -12563,7 +12898,7 @@
           <a:p>
             <a:fld id="{4509A250-FF31-4206-8172-F9D3106AACB1}" type="datetimeFigureOut">
               <a:rPr lang="en-US" dirty="0"/>
-              <a:t>4/28/25</a:t>
+              <a:t>5/30/25</a:t>
             </a:fld>
             <a:endParaRPr lang="en-US" dirty="0"/>
           </a:p>
@@ -12728,7 +13063,7 @@
           <a:p>
             <a:fld id="{4509A250-FF31-4206-8172-F9D3106AACB1}" type="datetimeFigureOut">
               <a:rPr lang="en-US" dirty="0"/>
-              <a:t>4/28/25</a:t>
+              <a:t>5/30/25</a:t>
             </a:fld>
             <a:endParaRPr lang="en-US" dirty="0"/>
           </a:p>
@@ -12903,7 +13238,7 @@
           <a:p>
             <a:fld id="{4509A250-FF31-4206-8172-F9D3106AACB1}" type="datetimeFigureOut">
               <a:rPr lang="en-US" dirty="0"/>
-              <a:t>4/28/25</a:t>
+              <a:t>5/30/25</a:t>
             </a:fld>
             <a:endParaRPr lang="en-US" dirty="0"/>
           </a:p>
@@ -13068,7 +13403,7 @@
           <a:p>
             <a:fld id="{4509A250-FF31-4206-8172-F9D3106AACB1}" type="datetimeFigureOut">
               <a:rPr lang="en-US" dirty="0"/>
-              <a:t>4/28/25</a:t>
+              <a:t>5/30/25</a:t>
             </a:fld>
             <a:endParaRPr lang="en-US" dirty="0"/>
           </a:p>
@@ -13310,7 +13645,7 @@
           <a:p>
             <a:fld id="{9796027F-7875-4030-9381-8BD8C4F21935}" type="datetimeFigureOut">
               <a:rPr lang="en-US" dirty="0"/>
-              <a:t>4/28/25</a:t>
+              <a:t>5/30/25</a:t>
             </a:fld>
             <a:endParaRPr lang="en-US" dirty="0"/>
           </a:p>
@@ -13597,7 +13932,7 @@
           <a:p>
             <a:fld id="{9796027F-7875-4030-9381-8BD8C4F21935}" type="datetimeFigureOut">
               <a:rPr lang="en-US" dirty="0"/>
-              <a:t>4/28/25</a:t>
+              <a:t>5/30/25</a:t>
             </a:fld>
             <a:endParaRPr lang="en-US" dirty="0"/>
           </a:p>
@@ -14036,7 +14371,7 @@
           <a:p>
             <a:fld id="{9796027F-7875-4030-9381-8BD8C4F21935}" type="datetimeFigureOut">
               <a:rPr lang="en-US" dirty="0"/>
-              <a:t>4/28/25</a:t>
+              <a:t>5/30/25</a:t>
             </a:fld>
             <a:endParaRPr lang="en-US" dirty="0"/>
           </a:p>
@@ -14149,7 +14484,7 @@
           <a:p>
             <a:fld id="{4509A250-FF31-4206-8172-F9D3106AACB1}" type="datetimeFigureOut">
               <a:rPr lang="en-US" dirty="0"/>
-              <a:t>4/28/25</a:t>
+              <a:t>5/30/25</a:t>
             </a:fld>
             <a:endParaRPr lang="en-US" dirty="0"/>
           </a:p>
@@ -14239,7 +14574,7 @@
           <a:p>
             <a:fld id="{4509A250-FF31-4206-8172-F9D3106AACB1}" type="datetimeFigureOut">
               <a:rPr lang="en-US" dirty="0"/>
-              <a:t>4/28/25</a:t>
+              <a:t>5/30/25</a:t>
             </a:fld>
             <a:endParaRPr lang="en-US" dirty="0"/>
           </a:p>
@@ -14513,7 +14848,7 @@
           <a:p>
             <a:fld id="{4509A250-FF31-4206-8172-F9D3106AACB1}" type="datetimeFigureOut">
               <a:rPr lang="en-US" dirty="0"/>
-              <a:t>4/28/25</a:t>
+              <a:t>5/30/25</a:t>
             </a:fld>
             <a:endParaRPr lang="en-US" dirty="0"/>
           </a:p>
@@ -14783,7 +15118,7 @@
           <a:p>
             <a:fld id="{4509A250-FF31-4206-8172-F9D3106AACB1}" type="datetimeFigureOut">
               <a:rPr lang="en-US" dirty="0"/>
-              <a:t>4/28/25</a:t>
+              <a:t>5/30/25</a:t>
             </a:fld>
             <a:endParaRPr lang="en-US" dirty="0"/>
           </a:p>
@@ -15207,7 +15542,7 @@
           <a:p>
             <a:fld id="{4AAD347D-5ACD-4C99-B74B-A9C85AD731AF}" type="datetimeFigureOut">
               <a:rPr lang="en-US" dirty="0"/>
-              <a:t>4/28/25</a:t>
+              <a:t>5/30/25</a:t>
             </a:fld>
             <a:endParaRPr lang="en-US" dirty="0"/>
           </a:p>
@@ -17411,7 +17746,7 @@
           <p:nvPr>
             <p:extLst>
               <p:ext uri="{D42A27DB-BD31-4B8C-83A1-F6EECF244321}">
-                <p14:modId xmlns:p14="http://schemas.microsoft.com/office/powerpoint/2010/main" val="2593810133"/>
+                <p14:modId xmlns:p14="http://schemas.microsoft.com/office/powerpoint/2010/main" val="733946298"/>
               </p:ext>
             </p:extLst>
           </p:nvPr>
@@ -17536,6 +17871,8 @@
                 <a:solidFill>
                   <a:schemeClr val="bg1"/>
                 </a:solidFill>
+                <a:latin typeface="Heiti SC Medium" pitchFamily="2" charset="-128"/>
+                <a:ea typeface="Heiti SC Medium" pitchFamily="2" charset="-128"/>
               </a:rPr>
               <a:t>The Analysis</a:t>
             </a:r>
@@ -17544,6 +17881,8 @@
                 <a:solidFill>
                   <a:schemeClr val="bg1"/>
                 </a:solidFill>
+                <a:latin typeface="Heiti SC Medium" pitchFamily="2" charset="-128"/>
+                <a:ea typeface="Heiti SC Medium" pitchFamily="2" charset="-128"/>
               </a:rPr>
             </a:br>
             <a:r>
@@ -17551,6 +17890,8 @@
                 <a:solidFill>
                   <a:schemeClr val="bg1"/>
                 </a:solidFill>
+                <a:latin typeface="HEITI SC MEDIUM" pitchFamily="2" charset="-128"/>
+                <a:ea typeface="HEITI SC MEDIUM" pitchFamily="2" charset="-128"/>
               </a:rPr>
               <a:t>Question 5:</a:t>
             </a:r>
@@ -17559,6 +17900,8 @@
                 <a:solidFill>
                   <a:schemeClr val="bg1"/>
                 </a:solidFill>
+                <a:latin typeface="Heiti SC Medium" pitchFamily="2" charset="-128"/>
+                <a:ea typeface="Heiti SC Medium" pitchFamily="2" charset="-128"/>
               </a:rPr>
               <a:t> Do sales figures vary between geographic regions?</a:t>
             </a:r>
@@ -18999,7 +19342,7 @@
         </p:nvSpPr>
         <p:spPr>
           <a:xfrm>
-            <a:off x="1229711" y="1854820"/>
+            <a:off x="1219437" y="1854820"/>
             <a:ext cx="6974911" cy="4188315"/>
           </a:xfrm>
           <a:prstGeom prst="rect">
@@ -19012,31 +19355,41 @@
           </a:bodyPr>
           <a:lstStyle/>
           <a:p>
-            <a:pPr>
+            <a:pPr marL="0" indent="0" algn="l" rtl="0" eaLnBrk="1" latinLnBrk="0" hangingPunct="1">
               <a:spcBef>
                 <a:spcPts val="1000"/>
               </a:spcBef>
-              <a:buClr>
-                <a:schemeClr val="bg2">
-                  <a:lumMod val="40000"/>
-                  <a:lumOff val="60000"/>
-                </a:schemeClr>
-              </a:buClr>
-              <a:buSzPct val="80000"/>
+              <a:buNone/>
             </a:pPr>
             <a:r>
-              <a:rPr lang="en-US" sz="1400" b="1" i="0" kern="1200" cap="all" dirty="0">
+              <a:rPr lang="en-GB" sz="1400" dirty="0">
                 <a:solidFill>
-                  <a:schemeClr val="tx1">
-                    <a:lumMod val="85000"/>
-                    <a:lumOff val="15000"/>
-                  </a:schemeClr>
+                  <a:srgbClr val="000000"/>
                 </a:solidFill>
-                <a:latin typeface="+mj-lt"/>
-                <a:ea typeface="+mj-ea"/>
-                <a:cs typeface="+mj-cs"/>
+                <a:effectLst/>
+                <a:latin typeface="Heiti SC Medium" pitchFamily="2" charset="-128"/>
+                <a:ea typeface="Heiti SC Medium" pitchFamily="2" charset="-128"/>
               </a:rPr>
-              <a:t>Geographic performance</a:t>
+              <a:t>The catalogue features 958 titles across 16 genres and 5 ratings, all in English and released in 2006.</a:t>
+            </a:r>
+          </a:p>
+          <a:p>
+            <a:pPr marL="0" indent="0" algn="l" rtl="0" eaLnBrk="1" latinLnBrk="0" hangingPunct="1">
+              <a:spcBef>
+                <a:spcPts val="1000"/>
+              </a:spcBef>
+              <a:buNone/>
+            </a:pPr>
+            <a:r>
+              <a:rPr lang="en-GB" sz="1400" dirty="0">
+                <a:solidFill>
+                  <a:srgbClr val="000000"/>
+                </a:solidFill>
+                <a:effectLst/>
+                <a:latin typeface="Heiti SC Medium" pitchFamily="2" charset="-128"/>
+                <a:ea typeface="Heiti SC Medium" pitchFamily="2" charset="-128"/>
+              </a:rPr>
+              <a:t>The customer base comprises 599 customers across 108 countries and 597 cities.</a:t>
             </a:r>
           </a:p>
           <a:p>
@@ -19044,46 +19397,96 @@
               <a:spcBef>
                 <a:spcPts val="1000"/>
               </a:spcBef>
-              <a:buClr>
-                <a:schemeClr val="bg2">
-                  <a:lumMod val="40000"/>
-                  <a:lumOff val="60000"/>
-                </a:schemeClr>
-              </a:buClr>
-              <a:buSzPct val="80000"/>
             </a:pPr>
             <a:r>
-              <a:rPr lang="en-US" sz="1400" dirty="0"/>
-              <a:t>Asia is the best performing region and further investment in this region should yield substantial returns.</a:t>
+              <a:rPr lang="en-GB" sz="1400" dirty="0">
+                <a:solidFill>
+                  <a:srgbClr val="000000"/>
+                </a:solidFill>
+                <a:effectLst/>
+                <a:latin typeface="Heiti SC Medium" pitchFamily="2" charset="-128"/>
+                <a:ea typeface="Heiti SC Medium" pitchFamily="2" charset="-128"/>
+              </a:rPr>
+              <a:t>The top 5 revenue-generating films earned between </a:t>
             </a:r>
-            <a:endParaRPr lang="en-US" sz="1400" b="0" i="0" kern="1200" cap="all" dirty="0">
-              <a:solidFill>
-                <a:schemeClr val="tx1">
-                  <a:lumMod val="85000"/>
-                  <a:lumOff val="15000"/>
-                </a:schemeClr>
-              </a:solidFill>
-              <a:latin typeface="+mj-lt"/>
-              <a:ea typeface="+mj-ea"/>
-              <a:cs typeface="+mj-cs"/>
-            </a:endParaRPr>
+            <a:r>
+              <a:rPr lang="en-DE" sz="1400" dirty="0"/>
+              <a:t>¤</a:t>
+            </a:r>
+            <a:r>
+              <a:rPr lang="en-GB" sz="1400" dirty="0">
+                <a:solidFill>
+                  <a:srgbClr val="000000"/>
+                </a:solidFill>
+                <a:effectLst/>
+                <a:latin typeface="Heiti SC Medium" pitchFamily="2" charset="-128"/>
+                <a:ea typeface="Heiti SC Medium" pitchFamily="2" charset="-128"/>
+              </a:rPr>
+              <a:t>205 and </a:t>
+            </a:r>
+            <a:r>
+              <a:rPr lang="en-DE" sz="1400" dirty="0"/>
+              <a:t>¤</a:t>
+            </a:r>
+            <a:r>
+              <a:rPr lang="en-GB" sz="1400" dirty="0">
+                <a:solidFill>
+                  <a:srgbClr val="000000"/>
+                </a:solidFill>
+                <a:effectLst/>
+                <a:latin typeface="Heiti SC Medium" pitchFamily="2" charset="-128"/>
+                <a:ea typeface="Heiti SC Medium" pitchFamily="2" charset="-128"/>
+              </a:rPr>
+              <a:t>232, while 7 films shared the bottom five positions, generating between </a:t>
+            </a:r>
+            <a:r>
+              <a:rPr lang="en-DE" sz="1400" dirty="0"/>
+              <a:t>¤</a:t>
+            </a:r>
+            <a:r>
+              <a:rPr lang="en-GB" sz="1400" dirty="0">
+                <a:solidFill>
+                  <a:srgbClr val="000000"/>
+                </a:solidFill>
+                <a:effectLst/>
+                <a:latin typeface="Heiti SC Medium" pitchFamily="2" charset="-128"/>
+                <a:ea typeface="Heiti SC Medium" pitchFamily="2" charset="-128"/>
+              </a:rPr>
+              <a:t>6 and </a:t>
+            </a:r>
+            <a:r>
+              <a:rPr lang="en-DE" sz="1400" dirty="0"/>
+              <a:t>¤</a:t>
+            </a:r>
+            <a:r>
+              <a:rPr lang="en-GB" sz="1400" dirty="0">
+                <a:solidFill>
+                  <a:srgbClr val="000000"/>
+                </a:solidFill>
+                <a:effectLst/>
+                <a:latin typeface="Heiti SC Medium" pitchFamily="2" charset="-128"/>
+                <a:ea typeface="Heiti SC Medium" pitchFamily="2" charset="-128"/>
+              </a:rPr>
+              <a:t>8.</a:t>
+            </a:r>
           </a:p>
           <a:p>
-            <a:pPr>
+            <a:pPr marL="0" indent="0" algn="l" rtl="0" eaLnBrk="1" latinLnBrk="0" hangingPunct="1">
               <a:spcBef>
                 <a:spcPts val="1000"/>
               </a:spcBef>
-              <a:buClr>
-                <a:schemeClr val="bg2">
-                  <a:lumMod val="40000"/>
-                  <a:lumOff val="60000"/>
-                </a:schemeClr>
-              </a:buClr>
-              <a:buSzPct val="80000"/>
+              <a:buNone/>
             </a:pPr>
             <a:r>
-              <a:rPr lang="en-US" sz="1400" dirty="0"/>
-              <a:t>Oceania is the worst performing and strategies should be explored for expansion in this region.</a:t>
+              <a:rPr lang="en-GB" sz="1400" dirty="0">
+                <a:solidFill>
+                  <a:srgbClr val="000000"/>
+                </a:solidFill>
+                <a:effectLst/>
+                <a:latin typeface="Heiti SC Medium" pitchFamily="2" charset="-128"/>
+                <a:ea typeface="Heiti SC Medium" pitchFamily="2" charset="-128"/>
+              </a:rPr>
+              <a:t>Rental durations ranged from same-day returns to a maximum of 10, with an average duration of 5 days.</a:t>
             </a:r>
           </a:p>
           <a:p>
@@ -19091,81 +19494,47 @@
               <a:spcBef>
                 <a:spcPts val="1000"/>
               </a:spcBef>
-              <a:buClr>
-                <a:schemeClr val="bg2">
-                  <a:lumMod val="40000"/>
-                  <a:lumOff val="60000"/>
-                </a:schemeClr>
-              </a:buClr>
-              <a:buSzPct val="80000"/>
-            </a:pPr>
-            <a:endParaRPr lang="en-US" sz="1400" cap="all" dirty="0">
-              <a:solidFill>
-                <a:schemeClr val="tx1">
-                  <a:lumMod val="85000"/>
-                  <a:lumOff val="15000"/>
-                </a:schemeClr>
-              </a:solidFill>
-              <a:latin typeface="+mj-lt"/>
-              <a:ea typeface="+mj-ea"/>
-              <a:cs typeface="+mj-cs"/>
-            </a:endParaRPr>
-          </a:p>
-          <a:p>
-            <a:pPr>
-              <a:spcBef>
-                <a:spcPts val="1000"/>
-              </a:spcBef>
-              <a:buClr>
-                <a:schemeClr val="bg2">
-                  <a:lumMod val="40000"/>
-                  <a:lumOff val="60000"/>
-                </a:schemeClr>
-              </a:buClr>
-              <a:buSzPct val="80000"/>
             </a:pPr>
             <a:r>
-              <a:rPr lang="en-US" sz="1400" b="1" i="0" kern="1200" cap="all" dirty="0">
+              <a:rPr lang="en-GB" sz="1400" dirty="0">
                 <a:solidFill>
-                  <a:schemeClr val="tx1">
-                    <a:lumMod val="85000"/>
-                    <a:lumOff val="15000"/>
-                  </a:schemeClr>
+                  <a:srgbClr val="000000"/>
                 </a:solidFill>
-                <a:latin typeface="+mj-lt"/>
-                <a:ea typeface="+mj-ea"/>
-                <a:cs typeface="+mj-cs"/>
+                <a:effectLst/>
+                <a:latin typeface="Heiti SC Medium" pitchFamily="2" charset="-128"/>
+                <a:ea typeface="Heiti SC Medium" pitchFamily="2" charset="-128"/>
               </a:rPr>
-              <a:t>Catalogue Offering</a:t>
+              <a:t>Total revenue by country varied from </a:t>
             </a:r>
-            <a:endParaRPr lang="en-US" sz="1400" b="1" cap="all" dirty="0">
-              <a:solidFill>
-                <a:schemeClr val="tx1">
-                  <a:lumMod val="85000"/>
-                  <a:lumOff val="15000"/>
-                </a:schemeClr>
-              </a:solidFill>
-              <a:latin typeface="+mj-lt"/>
-              <a:ea typeface="+mj-ea"/>
-              <a:cs typeface="+mj-cs"/>
-            </a:endParaRPr>
-          </a:p>
-          <a:p>
-            <a:pPr>
-              <a:spcBef>
-                <a:spcPts val="1000"/>
-              </a:spcBef>
-              <a:buClr>
-                <a:schemeClr val="bg2">
-                  <a:lumMod val="40000"/>
-                  <a:lumOff val="60000"/>
-                </a:schemeClr>
-              </a:buClr>
-              <a:buSzPct val="80000"/>
-            </a:pPr>
             <a:r>
-              <a:rPr lang="en-US" sz="1400" dirty="0"/>
-              <a:t>The catalogue currently only offers English language films and should be expanded to include more localised content.</a:t>
+              <a:rPr lang="en-DE" sz="1400" dirty="0"/>
+              <a:t>¤</a:t>
+            </a:r>
+            <a:r>
+              <a:rPr lang="en-GB" sz="1400" dirty="0">
+                <a:solidFill>
+                  <a:srgbClr val="000000"/>
+                </a:solidFill>
+                <a:effectLst/>
+                <a:latin typeface="Heiti SC Medium" pitchFamily="2" charset="-128"/>
+                <a:ea typeface="Heiti SC Medium" pitchFamily="2" charset="-128"/>
+              </a:rPr>
+              <a:t>68 to </a:t>
+            </a:r>
+            <a:r>
+              <a:rPr lang="en-DE" sz="1400" dirty="0"/>
+              <a:t>¤</a:t>
+            </a:r>
+            <a:r>
+              <a:rPr lang="en-GB" sz="1400" dirty="0">
+                <a:solidFill>
+                  <a:srgbClr val="000000"/>
+                </a:solidFill>
+                <a:effectLst/>
+                <a:latin typeface="Heiti SC Medium" pitchFamily="2" charset="-128"/>
+                <a:ea typeface="Heiti SC Medium" pitchFamily="2" charset="-128"/>
+              </a:rPr>
+              <a:t>6,628, with customer counts between 1 and 60. India led in both customer numbers and total revenue, followed closely by China, and the United States.</a:t>
             </a:r>
           </a:p>
           <a:p>
@@ -19173,81 +19542,73 @@
               <a:spcBef>
                 <a:spcPts val="1000"/>
               </a:spcBef>
-              <a:buClr>
-                <a:schemeClr val="bg2">
-                  <a:lumMod val="40000"/>
-                  <a:lumOff val="60000"/>
-                </a:schemeClr>
-              </a:buClr>
-              <a:buSzPct val="80000"/>
             </a:pPr>
-            <a:endParaRPr lang="en-US" sz="1400" b="0" i="0" kern="1200" cap="all" dirty="0">
-              <a:solidFill>
-                <a:schemeClr val="tx1">
-                  <a:lumMod val="85000"/>
-                  <a:lumOff val="15000"/>
-                </a:schemeClr>
-              </a:solidFill>
-              <a:latin typeface="+mj-lt"/>
-              <a:ea typeface="+mj-ea"/>
-              <a:cs typeface="+mj-cs"/>
-            </a:endParaRPr>
+            <a:r>
+              <a:rPr lang="en-GB" sz="1400" dirty="0">
+                <a:solidFill>
+                  <a:srgbClr val="000000"/>
+                </a:solidFill>
+                <a:effectLst/>
+                <a:latin typeface="Heiti SC Medium" pitchFamily="2" charset="-128"/>
+                <a:ea typeface="Heiti SC Medium" pitchFamily="2" charset="-128"/>
+              </a:rPr>
+              <a:t>Average customer lifetime value (CLV) varied between </a:t>
+            </a:r>
+            <a:r>
+              <a:rPr lang="en-DE" sz="1400" dirty="0"/>
+              <a:t>¤</a:t>
+            </a:r>
+            <a:r>
+              <a:rPr lang="en-GB" sz="1400" dirty="0">
+                <a:solidFill>
+                  <a:srgbClr val="000000"/>
+                </a:solidFill>
+                <a:effectLst/>
+                <a:latin typeface="Heiti SC Medium" pitchFamily="2" charset="-128"/>
+                <a:ea typeface="Heiti SC Medium" pitchFamily="2" charset="-128"/>
+              </a:rPr>
+              <a:t>68 to </a:t>
+            </a:r>
+            <a:r>
+              <a:rPr lang="en-DE" sz="1400" dirty="0"/>
+              <a:t>¤</a:t>
+            </a:r>
+            <a:r>
+              <a:rPr lang="en-GB" sz="1400" dirty="0">
+                <a:solidFill>
+                  <a:srgbClr val="000000"/>
+                </a:solidFill>
+                <a:effectLst/>
+                <a:latin typeface="Heiti SC Medium" pitchFamily="2" charset="-128"/>
+                <a:ea typeface="Heiti SC Medium" pitchFamily="2" charset="-128"/>
+              </a:rPr>
+              <a:t>217, with Réunion having the highest CLV, followed by Vatican City and Nauru.</a:t>
+            </a:r>
           </a:p>
           <a:p>
-            <a:pPr>
+            <a:pPr marL="0" indent="0" algn="l" rtl="0" eaLnBrk="1" latinLnBrk="0" hangingPunct="1">
               <a:spcBef>
                 <a:spcPts val="1000"/>
               </a:spcBef>
-              <a:buClr>
-                <a:schemeClr val="bg2">
-                  <a:lumMod val="40000"/>
-                  <a:lumOff val="60000"/>
-                </a:schemeClr>
-              </a:buClr>
-              <a:buSzPct val="80000"/>
+              <a:buNone/>
             </a:pPr>
             <a:r>
-              <a:rPr lang="en-US" sz="1400" b="1" i="0" kern="1200" cap="all" dirty="0">
+              <a:rPr lang="en-GB" sz="1400" dirty="0">
                 <a:solidFill>
-                  <a:schemeClr val="tx1">
-                    <a:lumMod val="85000"/>
-                    <a:lumOff val="15000"/>
-                  </a:schemeClr>
+                  <a:srgbClr val="000000"/>
                 </a:solidFill>
-                <a:latin typeface="+mj-lt"/>
-                <a:ea typeface="+mj-ea"/>
-                <a:cs typeface="+mj-cs"/>
+                <a:effectLst/>
+                <a:latin typeface="Heiti SC Medium" pitchFamily="2" charset="-128"/>
+                <a:ea typeface="Heiti SC Medium" pitchFamily="2" charset="-128"/>
               </a:rPr>
-              <a:t>CUSTOMER LOYALTY</a:t>
+              <a:t>The Asia-Pacific region emerged as the clear leader in both sales and customer volume.</a:t>
             </a:r>
-          </a:p>
-          <a:p>
-            <a:pPr>
-              <a:spcBef>
-                <a:spcPts val="1000"/>
-              </a:spcBef>
-              <a:buClr>
-                <a:schemeClr val="bg2">
-                  <a:lumMod val="40000"/>
-                  <a:lumOff val="60000"/>
-                </a:schemeClr>
-              </a:buClr>
-              <a:buSzPct val="80000"/>
-            </a:pPr>
-            <a:r>
-              <a:rPr lang="en-US" sz="1400" dirty="0"/>
-              <a:t>Development of a rewards program for loyal customers to encourage repeat rentals.</a:t>
-            </a:r>
-            <a:endParaRPr lang="en-US" sz="1400" b="0" i="0" kern="1200" cap="all" dirty="0">
+            <a:endParaRPr lang="en-DE" sz="1400" b="0" dirty="0">
               <a:solidFill>
-                <a:schemeClr val="tx1">
-                  <a:lumMod val="85000"/>
-                  <a:lumOff val="15000"/>
-                </a:schemeClr>
+                <a:srgbClr val="CCCCCC"/>
               </a:solidFill>
-              <a:latin typeface="+mj-lt"/>
-              <a:ea typeface="+mj-ea"/>
-              <a:cs typeface="+mj-cs"/>
+              <a:effectLst/>
+              <a:latin typeface="Menlo" panose="020B0609030804020204" pitchFamily="49" charset="0"/>
             </a:endParaRPr>
           </a:p>
         </p:txBody>
@@ -19290,12 +19651,18 @@
                 <a:solidFill>
                   <a:schemeClr val="tx2"/>
                 </a:solidFill>
-                <a:latin typeface="+mj-lt"/>
-                <a:ea typeface="+mj-ea"/>
-                <a:cs typeface="+mj-cs"/>
+                <a:latin typeface="Heiti SC Medium" pitchFamily="2" charset="-128"/>
+                <a:ea typeface="Heiti SC Medium" pitchFamily="2" charset="-128"/>
               </a:rPr>
-              <a:t>Recommendations</a:t>
+              <a:t>Summary</a:t>
             </a:r>
+            <a:endParaRPr lang="en-US" sz="5600" b="0" i="0" kern="1200" dirty="0">
+              <a:solidFill>
+                <a:schemeClr val="tx2"/>
+              </a:solidFill>
+              <a:latin typeface="Heiti SC Medium" pitchFamily="2" charset="-128"/>
+              <a:ea typeface="Heiti SC Medium" pitchFamily="2" charset="-128"/>
+            </a:endParaRPr>
           </a:p>
         </p:txBody>
       </p:sp>
@@ -20757,23 +21124,21 @@
           <a:lstStyle/>
           <a:p>
             <a:r>
-              <a:rPr lang="en-US" sz="4200" b="0" i="0" kern="1200">
+              <a:rPr lang="en-US" sz="4200" b="0" i="0" kern="1200" dirty="0">
                 <a:solidFill>
                   <a:srgbClr val="FFFFFF"/>
                 </a:solidFill>
-                <a:latin typeface="+mj-lt"/>
-                <a:ea typeface="+mj-ea"/>
-                <a:cs typeface="+mj-cs"/>
+                <a:latin typeface="Heiti SC Medium" pitchFamily="2" charset="-128"/>
+                <a:ea typeface="Heiti SC Medium" pitchFamily="2" charset="-128"/>
               </a:rPr>
-              <a:t>Overview</a:t>
+              <a:t>Objective</a:t>
             </a:r>
             <a:endParaRPr lang="en-US" sz="4200" b="0" i="0" kern="1200" dirty="0">
               <a:solidFill>
                 <a:srgbClr val="FFFFFF"/>
               </a:solidFill>
-              <a:latin typeface="+mj-lt"/>
-              <a:ea typeface="+mj-ea"/>
-              <a:cs typeface="+mj-cs"/>
+              <a:latin typeface="Heiti SC Medium" pitchFamily="2" charset="-128"/>
+              <a:ea typeface="Heiti SC Medium" pitchFamily="2" charset="-128"/>
             </a:endParaRPr>
           </a:p>
         </p:txBody>
@@ -20807,14 +21172,18 @@
           <a:lstStyle/>
           <a:p>
             <a:r>
-              <a:rPr lang="en-US" b="1" dirty="0"/>
-              <a:t>Objective</a:t>
+              <a:rPr lang="en-US" dirty="0">
+                <a:latin typeface="Heiti SC Medium" pitchFamily="2" charset="-128"/>
+                <a:ea typeface="Heiti SC Medium" pitchFamily="2" charset="-128"/>
+              </a:rPr>
+              <a:t>Provide data-driven insights derived </a:t>
             </a:r>
-          </a:p>
-          <a:p>
             <a:r>
-              <a:rPr lang="en-US" dirty="0"/>
-              <a:t>To derive data-driven insights from the existing database in response to business questions posed by Management.</a:t>
+              <a:rPr lang="en-US" dirty="0">
+                <a:latin typeface="Heiti SC Medium" pitchFamily="2" charset="-128"/>
+                <a:ea typeface="Heiti SC Medium" pitchFamily="2" charset="-128"/>
+              </a:rPr>
+              <a:t>from the existing database to address business questions posed by Management.</a:t>
             </a:r>
           </a:p>
           <a:p>
@@ -20822,16 +21191,19 @@
               <a:buFont typeface="Wingdings 3" charset="2"/>
               <a:buChar char=""/>
             </a:pPr>
-            <a:endParaRPr lang="en-US" dirty="0"/>
+            <a:endParaRPr lang="en-US" dirty="0">
+              <a:latin typeface="Heiti SC Medium" pitchFamily="2" charset="-128"/>
+              <a:ea typeface="Heiti SC Medium" pitchFamily="2" charset="-128"/>
+            </a:endParaRPr>
           </a:p>
         </p:txBody>
       </p:sp>
       <p:sp>
         <p:nvSpPr>
-          <p:cNvPr id="4" name="Text Placeholder 2">
+          <p:cNvPr id="5" name="Text Placeholder 2">
             <a:extLst>
               <a:ext uri="{FF2B5EF4-FFF2-40B4-BE49-F238E27FC236}">
-                <a16:creationId xmlns:a16="http://schemas.microsoft.com/office/drawing/2014/main" id="{3225C234-8095-1FE7-ED76-FB62A80BC0C9}"/>
+                <a16:creationId xmlns:a16="http://schemas.microsoft.com/office/drawing/2014/main" id="{094676EF-74C1-C9B5-7391-A29180FDE891}"/>
               </a:ext>
             </a:extLst>
           </p:cNvPr>
@@ -20842,8 +21214,8 @@
         </p:nvSpPr>
         <p:spPr>
           <a:xfrm>
-            <a:off x="1103312" y="4045665"/>
-            <a:ext cx="8946541" cy="1122842"/>
+            <a:off x="1103312" y="5648429"/>
+            <a:ext cx="8946541" cy="510697"/>
           </a:xfrm>
           <a:prstGeom prst="rect">
             <a:avLst/>
@@ -21082,22 +21454,17 @@
           </a:lstStyle>
           <a:p>
             <a:r>
-              <a:rPr lang="en-US" b="1" dirty="0"/>
-              <a:t>Strategic Importance</a:t>
+              <a:rPr lang="en-US" dirty="0">
+                <a:latin typeface="Heiti SC Medium" pitchFamily="2" charset="-128"/>
+                <a:ea typeface="Heiti SC Medium" pitchFamily="2" charset="-128"/>
+                <a:hlinkClick r:id="rId6"/>
+              </a:rPr>
+              <a:t>Tableau Dashboard</a:t>
             </a:r>
-          </a:p>
-          <a:p>
-            <a:r>
-              <a:rPr lang="en-US" dirty="0"/>
-              <a:t>To leverage existing movie licenses and transition from a physical rental model to an online platform that can compete with other existing streaming services. </a:t>
-            </a:r>
-          </a:p>
-          <a:p>
-            <a:pPr>
-              <a:buFont typeface="Wingdings 3" charset="2"/>
-              <a:buChar char=""/>
-            </a:pPr>
-            <a:endParaRPr lang="en-US" dirty="0"/>
+            <a:endParaRPr lang="en-US" dirty="0">
+              <a:latin typeface="Heiti SC Medium" pitchFamily="2" charset="-128"/>
+              <a:ea typeface="Heiti SC Medium" pitchFamily="2" charset="-128"/>
+            </a:endParaRPr>
           </a:p>
         </p:txBody>
       </p:sp>
@@ -21169,7 +21536,7 @@
           </p:nvPr>
         </p:nvPicPr>
         <p:blipFill rotWithShape="1">
-          <a:blip r:embed="rId2">
+          <a:blip r:embed="rId3">
             <a:extLst>
               <a:ext uri="{28A0092B-C50C-407E-A947-70E740481C1C}">
                 <a14:useLocalDpi xmlns:a14="http://schemas.microsoft.com/office/drawing/2010/main" val="0"/>
@@ -21213,7 +21580,7 @@
           </p:nvPr>
         </p:nvPicPr>
         <p:blipFill rotWithShape="1">
-          <a:blip r:embed="rId3">
+          <a:blip r:embed="rId4">
             <a:extLst>
               <a:ext uri="{28A0092B-C50C-407E-A947-70E740481C1C}">
                 <a14:useLocalDpi xmlns:a14="http://schemas.microsoft.com/office/drawing/2010/main" val="0"/>
@@ -21344,7 +21711,7 @@
           </p:nvPr>
         </p:nvPicPr>
         <p:blipFill rotWithShape="1">
-          <a:blip r:embed="rId4">
+          <a:blip r:embed="rId5">
             <a:extLst>
               <a:ext uri="{28A0092B-C50C-407E-A947-70E740481C1C}">
                 <a14:useLocalDpi xmlns:a14="http://schemas.microsoft.com/office/drawing/2010/main" val="0"/>
@@ -21388,7 +21755,7 @@
           </p:nvPr>
         </p:nvPicPr>
         <p:blipFill rotWithShape="1">
-          <a:blip r:embed="rId5">
+          <a:blip r:embed="rId6">
             <a:extLst>
               <a:ext uri="{28A0092B-C50C-407E-A947-70E740481C1C}">
                 <a14:useLocalDpi xmlns:a14="http://schemas.microsoft.com/office/drawing/2010/main" val="0"/>
@@ -22461,9 +22828,8 @@
                 <a:solidFill>
                   <a:srgbClr val="FFFFFF"/>
                 </a:solidFill>
-                <a:latin typeface="+mj-lt"/>
-                <a:ea typeface="+mj-ea"/>
-                <a:cs typeface="+mj-cs"/>
+                <a:latin typeface="Heiti SC Medium" pitchFamily="2" charset="-128"/>
+                <a:ea typeface="Heiti SC Medium" pitchFamily="2" charset="-128"/>
               </a:rPr>
               <a:t>Key Questions</a:t>
             </a:r>
@@ -22503,14 +22869,12 @@
               <a:buChar char=""/>
             </a:pPr>
             <a:r>
-              <a:rPr lang="en-US" dirty="0"/>
-              <a:t>	1. Which movies contributed the most / least to 	revenue gain</a:t>
-            </a:r>
-            <a:r>
               <a:rPr lang="en-US" dirty="0">
-                <a:latin typeface="Century Gothic" panose="020B0502020202020204" pitchFamily="34" charset="0"/>
+                <a:latin typeface="Heiti SC Medium" pitchFamily="2" charset="-128"/>
+                <a:ea typeface="Heiti SC Medium" pitchFamily="2" charset="-128"/>
+                <a:cs typeface="Alasassy Caps" panose="020F0502020204030204" pitchFamily="34" charset="0"/>
               </a:rPr>
-              <a:t>?</a:t>
+              <a:t>	1. Which movies contributed the most / least to 	revenue gain?</a:t>
             </a:r>
           </a:p>
           <a:p>
@@ -22519,7 +22883,11 @@
               <a:buChar char=""/>
             </a:pPr>
             <a:r>
-              <a:rPr lang="en-US" dirty="0"/>
+              <a:rPr lang="en-US" dirty="0">
+                <a:latin typeface="Heiti SC Medium" pitchFamily="2" charset="-128"/>
+                <a:ea typeface="Heiti SC Medium" pitchFamily="2" charset="-128"/>
+                <a:cs typeface="Alasassy Caps" panose="020F0502020204030204" pitchFamily="34" charset="0"/>
+              </a:rPr>
               <a:t>	2. What was the average rental duration for all 	videos?</a:t>
             </a:r>
           </a:p>
@@ -22529,7 +22897,11 @@
               <a:buChar char=""/>
             </a:pPr>
             <a:r>
-              <a:rPr lang="en-US" dirty="0"/>
+              <a:rPr lang="en-US" dirty="0">
+                <a:latin typeface="Heiti SC Medium" pitchFamily="2" charset="-128"/>
+                <a:ea typeface="Heiti SC Medium" pitchFamily="2" charset="-128"/>
+                <a:cs typeface="Alasassy Caps" panose="020F0502020204030204" pitchFamily="34" charset="0"/>
+              </a:rPr>
               <a:t>	3. Which countries are Rockbuster customers 	based in?</a:t>
             </a:r>
           </a:p>
@@ -22539,7 +22911,11 @@
               <a:buChar char=""/>
             </a:pPr>
             <a:r>
-              <a:rPr lang="en-US" dirty="0"/>
+              <a:rPr lang="en-US" dirty="0">
+                <a:latin typeface="Heiti SC Medium" pitchFamily="2" charset="-128"/>
+                <a:ea typeface="Heiti SC Medium" pitchFamily="2" charset="-128"/>
+                <a:cs typeface="Alasassy Caps" panose="020F0502020204030204" pitchFamily="34" charset="0"/>
+              </a:rPr>
               <a:t>	4. Where are customers with a high lifetime 	value based?</a:t>
             </a:r>
           </a:p>
@@ -22549,7 +22925,11 @@
               <a:buChar char=""/>
             </a:pPr>
             <a:r>
-              <a:rPr lang="en-US" dirty="0"/>
+              <a:rPr lang="en-US" dirty="0">
+                <a:latin typeface="Heiti SC Medium" pitchFamily="2" charset="-128"/>
+                <a:ea typeface="Heiti SC Medium" pitchFamily="2" charset="-128"/>
+                <a:cs typeface="Alasassy Caps" panose="020F0502020204030204" pitchFamily="34" charset="0"/>
+              </a:rPr>
               <a:t>	5. Do sales figures vary between geographic 	regions?</a:t>
             </a:r>
           </a:p>
@@ -22558,7 +22938,11 @@
               <a:buFont typeface="Wingdings 3" charset="2"/>
               <a:buChar char=""/>
             </a:pPr>
-            <a:endParaRPr lang="en-US" dirty="0"/>
+            <a:endParaRPr lang="en-US" dirty="0">
+              <a:latin typeface="Heiti SC Medium" pitchFamily="2" charset="-128"/>
+              <a:ea typeface="Heiti SC Medium" pitchFamily="2" charset="-128"/>
+              <a:cs typeface="Alasassy Caps" panose="020F0502020204030204" pitchFamily="34" charset="0"/>
+            </a:endParaRPr>
           </a:p>
         </p:txBody>
       </p:sp>
@@ -23022,6 +23406,8 @@
                 <a:solidFill>
                   <a:srgbClr val="F2F2F2"/>
                 </a:solidFill>
+                <a:latin typeface="Heiti SC Medium" pitchFamily="2" charset="-128"/>
+                <a:ea typeface="Heiti SC Medium" pitchFamily="2" charset="-128"/>
               </a:rPr>
               <a:t>Existing Catalogue</a:t>
             </a:r>
@@ -23238,7 +23624,7 @@
           <p:nvPr>
             <p:extLst>
               <p:ext uri="{D42A27DB-BD31-4B8C-83A1-F6EECF244321}">
-                <p14:modId xmlns:p14="http://schemas.microsoft.com/office/powerpoint/2010/main" val="2515440317"/>
+                <p14:modId xmlns:p14="http://schemas.microsoft.com/office/powerpoint/2010/main" val="3164195414"/>
               </p:ext>
             </p:extLst>
           </p:nvPr>
@@ -23709,13 +24095,12 @@
           <a:lstStyle/>
           <a:p>
             <a:r>
-              <a:rPr lang="en-US" sz="4200" b="0" i="0" kern="1200">
+              <a:rPr lang="en-US" sz="4200" b="0" i="0" kern="1200" dirty="0">
                 <a:solidFill>
                   <a:srgbClr val="EBEBEB"/>
                 </a:solidFill>
-                <a:latin typeface="+mj-lt"/>
-                <a:ea typeface="+mj-ea"/>
-                <a:cs typeface="+mj-cs"/>
+                <a:latin typeface="Heiti SC Medium" pitchFamily="2" charset="-128"/>
+                <a:ea typeface="Heiti SC Medium" pitchFamily="2" charset="-128"/>
               </a:rPr>
               <a:t>Existing Client Base</a:t>
             </a:r>
@@ -24617,7 +25002,7 @@
           <p:nvPr>
             <p:extLst>
               <p:ext uri="{D42A27DB-BD31-4B8C-83A1-F6EECF244321}">
-                <p14:modId xmlns:p14="http://schemas.microsoft.com/office/powerpoint/2010/main" val="3679709589"/>
+                <p14:modId xmlns:p14="http://schemas.microsoft.com/office/powerpoint/2010/main" val="1634939936"/>
               </p:ext>
             </p:extLst>
           </p:nvPr>
@@ -25456,6 +25841,8 @@
                 <a:solidFill>
                   <a:schemeClr val="bg1"/>
                 </a:solidFill>
+                <a:latin typeface="Heiti SC Medium" pitchFamily="2" charset="-128"/>
+                <a:ea typeface="Heiti SC Medium" pitchFamily="2" charset="-128"/>
               </a:rPr>
               <a:t>The Analysis</a:t>
             </a:r>
@@ -25464,6 +25851,8 @@
                 <a:solidFill>
                   <a:schemeClr val="bg1"/>
                 </a:solidFill>
+                <a:latin typeface="Heiti SC Medium" pitchFamily="2" charset="-128"/>
+                <a:ea typeface="Heiti SC Medium" pitchFamily="2" charset="-128"/>
               </a:rPr>
             </a:br>
             <a:r>
@@ -25471,6 +25860,8 @@
                 <a:solidFill>
                   <a:schemeClr val="bg1"/>
                 </a:solidFill>
+                <a:latin typeface="HEITI SC MEDIUM" pitchFamily="2" charset="-128"/>
+                <a:ea typeface="HEITI SC MEDIUM" pitchFamily="2" charset="-128"/>
               </a:rPr>
               <a:t>Question 1: </a:t>
             </a:r>
@@ -25479,6 +25870,8 @@
                 <a:solidFill>
                   <a:schemeClr val="bg1"/>
                 </a:solidFill>
+                <a:latin typeface="Heiti SC Medium" pitchFamily="2" charset="-128"/>
+                <a:ea typeface="Heiti SC Medium" pitchFamily="2" charset="-128"/>
               </a:rPr>
               <a:t>Which movies contributed the most / least to revenue gain?</a:t>
             </a:r>
@@ -25487,6 +25880,8 @@
                 <a:solidFill>
                   <a:schemeClr val="bg1"/>
                 </a:solidFill>
+                <a:latin typeface="Heiti SC Medium" pitchFamily="2" charset="-128"/>
+                <a:ea typeface="Heiti SC Medium" pitchFamily="2" charset="-128"/>
               </a:rPr>
             </a:br>
             <a:br>
@@ -25494,12 +25889,16 @@
                 <a:solidFill>
                   <a:schemeClr val="bg1"/>
                 </a:solidFill>
+                <a:latin typeface="Heiti SC Medium" pitchFamily="2" charset="-128"/>
+                <a:ea typeface="Heiti SC Medium" pitchFamily="2" charset="-128"/>
               </a:rPr>
             </a:br>
             <a:endParaRPr lang="en-US" sz="4200" dirty="0">
               <a:solidFill>
                 <a:schemeClr val="bg1"/>
               </a:solidFill>
+              <a:latin typeface="Heiti SC Medium" pitchFamily="2" charset="-128"/>
+              <a:ea typeface="Heiti SC Medium" pitchFamily="2" charset="-128"/>
             </a:endParaRPr>
           </a:p>
         </p:txBody>
@@ -26084,14 +26483,14 @@
           <p:nvPr>
             <p:extLst>
               <p:ext uri="{D42A27DB-BD31-4B8C-83A1-F6EECF244321}">
-                <p14:modId xmlns:p14="http://schemas.microsoft.com/office/powerpoint/2010/main" val="1177146057"/>
+                <p14:modId xmlns:p14="http://schemas.microsoft.com/office/powerpoint/2010/main" val="2757142340"/>
               </p:ext>
             </p:extLst>
           </p:nvPr>
         </p:nvGraphicFramePr>
         <p:xfrm>
-          <a:off x="721781" y="2060575"/>
-          <a:ext cx="4395787" cy="4195763"/>
+          <a:off x="680685" y="2060575"/>
+          <a:ext cx="5040724" cy="4195763"/>
         </p:xfrm>
         <a:graphic>
           <a:graphicData uri="http://schemas.openxmlformats.org/drawingml/2006/chart">
@@ -26114,14 +26513,14 @@
           <p:nvPr>
             <p:extLst>
               <p:ext uri="{D42A27DB-BD31-4B8C-83A1-F6EECF244321}">
-                <p14:modId xmlns:p14="http://schemas.microsoft.com/office/powerpoint/2010/main" val="603520895"/>
+                <p14:modId xmlns:p14="http://schemas.microsoft.com/office/powerpoint/2010/main" val="2423019303"/>
               </p:ext>
             </p:extLst>
           </p:nvPr>
         </p:nvGraphicFramePr>
         <p:xfrm>
-          <a:off x="5654675" y="2055813"/>
-          <a:ext cx="4395788" cy="4200525"/>
+          <a:off x="6033187" y="2055813"/>
+          <a:ext cx="5040724" cy="4200525"/>
         </p:xfrm>
         <a:graphic>
           <a:graphicData uri="http://schemas.openxmlformats.org/drawingml/2006/chart">
@@ -26949,41 +27348,51 @@
           <a:lstStyle/>
           <a:p>
             <a:r>
-              <a:rPr lang="en-US" sz="4200" dirty="0">
+              <a:rPr lang="en-US" sz="4200">
                 <a:solidFill>
                   <a:schemeClr val="bg1"/>
                 </a:solidFill>
+                <a:latin typeface="Heiti SC Medium" pitchFamily="2" charset="-128"/>
+                <a:ea typeface="Heiti SC Medium" pitchFamily="2" charset="-128"/>
               </a:rPr>
               <a:t>The Analysis</a:t>
             </a:r>
             <a:br>
-              <a:rPr lang="en-US" sz="8000" dirty="0">
+              <a:rPr lang="en-US" sz="8000">
                 <a:solidFill>
                   <a:schemeClr val="bg1"/>
                 </a:solidFill>
+                <a:latin typeface="Heiti SC Medium" pitchFamily="2" charset="-128"/>
+                <a:ea typeface="Heiti SC Medium" pitchFamily="2" charset="-128"/>
               </a:rPr>
             </a:br>
             <a:r>
-              <a:rPr lang="en-US" sz="2000" b="1" dirty="0">
+              <a:rPr lang="en-US" sz="2000" b="1">
                 <a:solidFill>
                   <a:schemeClr val="bg1"/>
                 </a:solidFill>
+                <a:latin typeface="HEITI SC MEDIUM" pitchFamily="2" charset="-128"/>
+                <a:ea typeface="HEITI SC MEDIUM" pitchFamily="2" charset="-128"/>
               </a:rPr>
               <a:t>Question 2:</a:t>
             </a:r>
             <a:r>
-              <a:rPr lang="en-US" sz="2000" dirty="0">
+              <a:rPr lang="en-US" sz="2000">
                 <a:solidFill>
                   <a:schemeClr val="bg1"/>
                 </a:solidFill>
+                <a:latin typeface="Heiti SC Medium" pitchFamily="2" charset="-128"/>
+                <a:ea typeface="Heiti SC Medium" pitchFamily="2" charset="-128"/>
               </a:rPr>
               <a:t> </a:t>
             </a:r>
             <a:r>
-              <a:rPr lang="en-ZA" sz="2000" dirty="0">
+              <a:rPr lang="en-ZA" sz="2000">
                 <a:solidFill>
                   <a:schemeClr val="bg1"/>
                 </a:solidFill>
+                <a:latin typeface="Heiti SC Medium" pitchFamily="2" charset="-128"/>
+                <a:ea typeface="Heiti SC Medium" pitchFamily="2" charset="-128"/>
               </a:rPr>
               <a:t>What was the average rental duration for all videos?</a:t>
             </a:r>
@@ -26991,6 +27400,8 @@
               <a:solidFill>
                 <a:schemeClr val="bg1"/>
               </a:solidFill>
+              <a:latin typeface="Heiti SC Medium" pitchFamily="2" charset="-128"/>
+              <a:ea typeface="Heiti SC Medium" pitchFamily="2" charset="-128"/>
             </a:endParaRPr>
           </a:p>
         </p:txBody>
@@ -27575,14 +27986,14 @@
           <p:nvPr>
             <p:extLst>
               <p:ext uri="{D42A27DB-BD31-4B8C-83A1-F6EECF244321}">
-                <p14:modId xmlns:p14="http://schemas.microsoft.com/office/powerpoint/2010/main" val="2612424362"/>
+                <p14:modId xmlns:p14="http://schemas.microsoft.com/office/powerpoint/2010/main" val="2042229786"/>
               </p:ext>
             </p:extLst>
           </p:nvPr>
         </p:nvGraphicFramePr>
         <p:xfrm>
-          <a:off x="761206" y="1979227"/>
-          <a:ext cx="7361733" cy="1483360"/>
+          <a:off x="1828800" y="3051937"/>
+          <a:ext cx="8745321" cy="2516192"/>
         </p:xfrm>
         <a:graphic>
           <a:graphicData uri="http://schemas.openxmlformats.org/drawingml/2006/table">
@@ -27598,14 +28009,14 @@
                 <a:tableStyleId>{5C22544A-7EE6-4342-B048-85BDC9FD1C3A}</a:tableStyleId>
               </a:tblPr>
               <a:tblGrid>
-                <a:gridCol w="3671457">
+                <a:gridCol w="4361483">
                   <a:extLst>
                     <a:ext uri="{9D8B030D-6E8A-4147-A177-3AD203B41FA5}">
                       <a16:colId xmlns:a16="http://schemas.microsoft.com/office/drawing/2014/main" val="606972984"/>
                     </a:ext>
                   </a:extLst>
                 </a:gridCol>
-                <a:gridCol w="3690276">
+                <a:gridCol w="4383838">
                   <a:extLst>
                     <a:ext uri="{9D8B030D-6E8A-4147-A177-3AD203B41FA5}">
                       <a16:colId xmlns:a16="http://schemas.microsoft.com/office/drawing/2014/main" val="4040360446"/>
@@ -27613,15 +28024,15 @@
                   </a:extLst>
                 </a:gridCol>
               </a:tblGrid>
-              <a:tr h="370840">
+              <a:tr h="629048">
                 <a:tc>
                   <a:txBody>
                     <a:bodyPr/>
                     <a:lstStyle/>
                     <a:p>
                       <a:r>
-                        <a:rPr lang="en-US" sz="1400" b="0" dirty="0"/>
-                        <a:t>Metric (Overall)</a:t>
+                        <a:rPr lang="en-US" sz="1600" b="0" dirty="0"/>
+                        <a:t>Metric</a:t>
                       </a:r>
                     </a:p>
                   </a:txBody>
@@ -27634,7 +28045,7 @@
                     <a:p>
                       <a:pPr algn="r"/>
                       <a:r>
-                        <a:rPr lang="en-US" sz="1400" b="0" dirty="0"/>
+                        <a:rPr lang="en-US" sz="1600" b="0" dirty="0"/>
                         <a:t>Rental Duration (Days)</a:t>
                       </a:r>
                     </a:p>
@@ -27647,14 +28058,14 @@
                   </a:ext>
                 </a:extLst>
               </a:tr>
-              <a:tr h="370840">
+              <a:tr h="629048">
                 <a:tc>
                   <a:txBody>
                     <a:bodyPr/>
                     <a:lstStyle/>
                     <a:p>
                       <a:r>
-                        <a:rPr lang="en-US" sz="1400" dirty="0"/>
+                        <a:rPr lang="en-US" sz="1600" dirty="0"/>
                         <a:t>Minimum</a:t>
                       </a:r>
                     </a:p>
@@ -27672,8 +28083,8 @@
                     <a:p>
                       <a:pPr algn="r"/>
                       <a:r>
-                        <a:rPr lang="en-US" sz="1400" dirty="0"/>
-                        <a:t>3.00</a:t>
+                        <a:rPr lang="en-US" sz="1600" dirty="0"/>
+                        <a:t>0</a:t>
                       </a:r>
                     </a:p>
                   </a:txBody>
@@ -27689,14 +28100,14 @@
                   </a:ext>
                 </a:extLst>
               </a:tr>
-              <a:tr h="370840">
+              <a:tr h="629048">
                 <a:tc>
                   <a:txBody>
                     <a:bodyPr/>
                     <a:lstStyle/>
                     <a:p>
                       <a:r>
-                        <a:rPr lang="en-US" sz="1400" dirty="0"/>
+                        <a:rPr lang="en-US" sz="1600" dirty="0"/>
                         <a:t>Maximum</a:t>
                       </a:r>
                     </a:p>
@@ -27714,8 +28125,8 @@
                     <a:p>
                       <a:pPr algn="r"/>
                       <a:r>
-                        <a:rPr lang="en-US" sz="1400" dirty="0"/>
-                        <a:t>7.00</a:t>
+                        <a:rPr lang="en-US" sz="1600" dirty="0"/>
+                        <a:t>10,00</a:t>
                       </a:r>
                     </a:p>
                   </a:txBody>
@@ -27731,14 +28142,14 @@
                   </a:ext>
                 </a:extLst>
               </a:tr>
-              <a:tr h="370840">
+              <a:tr h="629048">
                 <a:tc>
                   <a:txBody>
                     <a:bodyPr/>
                     <a:lstStyle/>
                     <a:p>
                       <a:r>
-                        <a:rPr lang="en-US" sz="1400" dirty="0"/>
+                        <a:rPr lang="en-US" sz="1600" dirty="0"/>
                         <a:t>Average</a:t>
                       </a:r>
                     </a:p>
@@ -27756,8 +28167,8 @@
                     <a:p>
                       <a:pPr algn="r"/>
                       <a:r>
-                        <a:rPr lang="en-US" sz="1400" dirty="0"/>
-                        <a:t>4.99</a:t>
+                        <a:rPr lang="en-US" sz="1600" dirty="0"/>
+                        <a:t>5,06</a:t>
                       </a:r>
                     </a:p>
                   </a:txBody>
@@ -27770,307 +28181,6 @@
                 <a:extLst>
                   <a:ext uri="{0D108BD9-81ED-4DB2-BD59-A6C34878D82A}">
                     <a16:rowId xmlns:a16="http://schemas.microsoft.com/office/drawing/2014/main" val="3999776388"/>
-                  </a:ext>
-                </a:extLst>
-              </a:tr>
-            </a:tbl>
-          </a:graphicData>
-        </a:graphic>
-      </p:graphicFrame>
-      <p:graphicFrame>
-        <p:nvGraphicFramePr>
-          <p:cNvPr id="7" name="Table 6">
-            <a:extLst>
-              <a:ext uri="{FF2B5EF4-FFF2-40B4-BE49-F238E27FC236}">
-                <a16:creationId xmlns:a16="http://schemas.microsoft.com/office/drawing/2014/main" id="{6C663423-34CB-A554-F319-8307AB268DE3}"/>
-              </a:ext>
-            </a:extLst>
-          </p:cNvPr>
-          <p:cNvGraphicFramePr>
-            <a:graphicFrameLocks noGrp="1"/>
-          </p:cNvGraphicFramePr>
-          <p:nvPr>
-            <p:extLst>
-              <p:ext uri="{D42A27DB-BD31-4B8C-83A1-F6EECF244321}">
-                <p14:modId xmlns:p14="http://schemas.microsoft.com/office/powerpoint/2010/main" val="3737571472"/>
-              </p:ext>
-            </p:extLst>
-          </p:nvPr>
-        </p:nvGraphicFramePr>
-        <p:xfrm>
-          <a:off x="747141" y="3871666"/>
-          <a:ext cx="7367364" cy="2225040"/>
-        </p:xfrm>
-        <a:graphic>
-          <a:graphicData uri="http://schemas.openxmlformats.org/drawingml/2006/table">
-            <a:tbl>
-              <a:tblPr firstRow="1" bandRow="1">
-                <a:effectLst>
-                  <a:outerShdw blurRad="50800" dist="38100" dir="2700000" algn="tl" rotWithShape="0">
-                    <a:prstClr val="black">
-                      <a:alpha val="40000"/>
-                    </a:prstClr>
-                  </a:outerShdw>
-                </a:effectLst>
-                <a:tableStyleId>{5C22544A-7EE6-4342-B048-85BDC9FD1C3A}</a:tableStyleId>
-              </a:tblPr>
-              <a:tblGrid>
-                <a:gridCol w="3683682">
-                  <a:extLst>
-                    <a:ext uri="{9D8B030D-6E8A-4147-A177-3AD203B41FA5}">
-                      <a16:colId xmlns:a16="http://schemas.microsoft.com/office/drawing/2014/main" val="499488097"/>
-                    </a:ext>
-                  </a:extLst>
-                </a:gridCol>
-                <a:gridCol w="3683682">
-                  <a:extLst>
-                    <a:ext uri="{9D8B030D-6E8A-4147-A177-3AD203B41FA5}">
-                      <a16:colId xmlns:a16="http://schemas.microsoft.com/office/drawing/2014/main" val="1128874288"/>
-                    </a:ext>
-                  </a:extLst>
-                </a:gridCol>
-              </a:tblGrid>
-              <a:tr h="370840">
-                <a:tc>
-                  <a:txBody>
-                    <a:bodyPr/>
-                    <a:lstStyle/>
-                    <a:p>
-                      <a:r>
-                        <a:rPr lang="en-US" sz="1400" b="0" dirty="0"/>
-                        <a:t>Rating</a:t>
-                      </a:r>
-                    </a:p>
-                  </a:txBody>
-                  <a:tcPr/>
-                </a:tc>
-                <a:tc>
-                  <a:txBody>
-                    <a:bodyPr/>
-                    <a:lstStyle/>
-                    <a:p>
-                      <a:pPr algn="r"/>
-                      <a:r>
-                        <a:rPr lang="en-US" sz="1400" b="0" dirty="0"/>
-                        <a:t>Average Rental Duration (Days)</a:t>
-                      </a:r>
-                    </a:p>
-                  </a:txBody>
-                  <a:tcPr/>
-                </a:tc>
-                <a:extLst>
-                  <a:ext uri="{0D108BD9-81ED-4DB2-BD59-A6C34878D82A}">
-                    <a16:rowId xmlns:a16="http://schemas.microsoft.com/office/drawing/2014/main" val="2576616065"/>
-                  </a:ext>
-                </a:extLst>
-              </a:tr>
-              <a:tr h="370840">
-                <a:tc>
-                  <a:txBody>
-                    <a:bodyPr/>
-                    <a:lstStyle/>
-                    <a:p>
-                      <a:r>
-                        <a:rPr lang="en-US" sz="1400" dirty="0"/>
-                        <a:t>G</a:t>
-                      </a:r>
-                    </a:p>
-                  </a:txBody>
-                  <a:tcPr>
-                    <a:solidFill>
-                      <a:schemeClr val="bg2"/>
-                    </a:solidFill>
-                  </a:tcPr>
-                </a:tc>
-                <a:tc>
-                  <a:txBody>
-                    <a:bodyPr/>
-                    <a:lstStyle/>
-                    <a:p>
-                      <a:pPr algn="r"/>
-                      <a:r>
-                        <a:rPr lang="en-US" sz="1400" dirty="0"/>
-                        <a:t>4.84</a:t>
-                      </a:r>
-                    </a:p>
-                  </a:txBody>
-                  <a:tcPr>
-                    <a:solidFill>
-                      <a:schemeClr val="bg2"/>
-                    </a:solidFill>
-                  </a:tcPr>
-                </a:tc>
-                <a:extLst>
-                  <a:ext uri="{0D108BD9-81ED-4DB2-BD59-A6C34878D82A}">
-                    <a16:rowId xmlns:a16="http://schemas.microsoft.com/office/drawing/2014/main" val="987358686"/>
-                  </a:ext>
-                </a:extLst>
-              </a:tr>
-              <a:tr h="370840">
-                <a:tc>
-                  <a:txBody>
-                    <a:bodyPr/>
-                    <a:lstStyle/>
-                    <a:p>
-                      <a:r>
-                        <a:rPr lang="en-US" sz="1400" dirty="0"/>
-                        <a:t>PG</a:t>
-                      </a:r>
-                    </a:p>
-                  </a:txBody>
-                  <a:tcPr>
-                    <a:solidFill>
-                      <a:schemeClr val="bg1"/>
-                    </a:solidFill>
-                  </a:tcPr>
-                </a:tc>
-                <a:tc>
-                  <a:txBody>
-                    <a:bodyPr/>
-                    <a:lstStyle/>
-                    <a:p>
-                      <a:pPr algn="r"/>
-                      <a:r>
-                        <a:rPr lang="en-US" sz="1400" dirty="0"/>
-                        <a:t>5.08</a:t>
-                      </a:r>
-                    </a:p>
-                  </a:txBody>
-                  <a:tcPr>
-                    <a:solidFill>
-                      <a:schemeClr val="bg1"/>
-                    </a:solidFill>
-                  </a:tcPr>
-                </a:tc>
-                <a:extLst>
-                  <a:ext uri="{0D108BD9-81ED-4DB2-BD59-A6C34878D82A}">
-                    <a16:rowId xmlns:a16="http://schemas.microsoft.com/office/drawing/2014/main" val="328586642"/>
-                  </a:ext>
-                </a:extLst>
-              </a:tr>
-              <a:tr h="370840">
-                <a:tc>
-                  <a:txBody>
-                    <a:bodyPr/>
-                    <a:lstStyle/>
-                    <a:p>
-                      <a:r>
-                        <a:rPr lang="en-US" sz="1400" dirty="0"/>
-                        <a:t>PG-13</a:t>
-                      </a:r>
-                    </a:p>
-                  </a:txBody>
-                  <a:tcPr>
-                    <a:solidFill>
-                      <a:schemeClr val="bg2"/>
-                    </a:solidFill>
-                  </a:tcPr>
-                </a:tc>
-                <a:tc>
-                  <a:txBody>
-                    <a:bodyPr/>
-                    <a:lstStyle/>
-                    <a:p>
-                      <a:pPr algn="r"/>
-                      <a:r>
-                        <a:rPr lang="en-US" sz="1400" dirty="0"/>
-                        <a:t>5.05</a:t>
-                      </a:r>
-                    </a:p>
-                  </a:txBody>
-                  <a:tcPr>
-                    <a:solidFill>
-                      <a:schemeClr val="bg2"/>
-                    </a:solidFill>
-                  </a:tcPr>
-                </a:tc>
-                <a:extLst>
-                  <a:ext uri="{0D108BD9-81ED-4DB2-BD59-A6C34878D82A}">
-                    <a16:rowId xmlns:a16="http://schemas.microsoft.com/office/drawing/2014/main" val="4017131397"/>
-                  </a:ext>
-                </a:extLst>
-              </a:tr>
-              <a:tr h="370840">
-                <a:tc>
-                  <a:txBody>
-                    <a:bodyPr/>
-                    <a:lstStyle/>
-                    <a:p>
-                      <a:r>
-                        <a:rPr lang="en-US" sz="1400" dirty="0"/>
-                        <a:t>R</a:t>
-                      </a:r>
-                    </a:p>
-                  </a:txBody>
-                  <a:tcPr>
-                    <a:solidFill>
-                      <a:schemeClr val="bg1"/>
-                    </a:solidFill>
-                  </a:tcPr>
-                </a:tc>
-                <a:tc>
-                  <a:txBody>
-                    <a:bodyPr/>
-                    <a:lstStyle/>
-                    <a:p>
-                      <a:pPr algn="r"/>
-                      <a:r>
-                        <a:rPr lang="en-US" sz="1400" dirty="0"/>
-                        <a:t>4.77</a:t>
-                      </a:r>
-                    </a:p>
-                  </a:txBody>
-                  <a:tcPr>
-                    <a:solidFill>
-                      <a:schemeClr val="bg1"/>
-                    </a:solidFill>
-                  </a:tcPr>
-                </a:tc>
-                <a:extLst>
-                  <a:ext uri="{0D108BD9-81ED-4DB2-BD59-A6C34878D82A}">
-                    <a16:rowId xmlns:a16="http://schemas.microsoft.com/office/drawing/2014/main" val="1176730797"/>
-                  </a:ext>
-                </a:extLst>
-              </a:tr>
-              <a:tr h="370840">
-                <a:tc>
-                  <a:txBody>
-                    <a:bodyPr/>
-                    <a:lstStyle/>
-                    <a:p>
-                      <a:r>
-                        <a:rPr lang="en-US" sz="1400" dirty="0"/>
-                        <a:t>NC-17</a:t>
-                      </a:r>
-                    </a:p>
-                  </a:txBody>
-                  <a:tcPr>
-                    <a:solidFill>
-                      <a:schemeClr val="bg2"/>
-                    </a:solidFill>
-                  </a:tcPr>
-                </a:tc>
-                <a:tc>
-                  <a:txBody>
-                    <a:bodyPr/>
-                    <a:lstStyle/>
-                    <a:p>
-                      <a:pPr algn="r"/>
-                      <a:r>
-                        <a:rPr lang="en-US" sz="1400" dirty="0"/>
-                        <a:t>5.14</a:t>
-                      </a:r>
-                    </a:p>
-                  </a:txBody>
-                  <a:tcPr>
-                    <a:solidFill>
-                      <a:schemeClr val="bg2"/>
-                    </a:solidFill>
-                  </a:tcPr>
-                </a:tc>
-                <a:extLst>
-                  <a:ext uri="{0D108BD9-81ED-4DB2-BD59-A6C34878D82A}">
-                    <a16:rowId xmlns:a16="http://schemas.microsoft.com/office/drawing/2014/main" val="1948106455"/>
                   </a:ext>
                 </a:extLst>
               </a:tr>
@@ -29462,9 +29572,8 @@
                 <a:solidFill>
                   <a:schemeClr val="bg1"/>
                 </a:solidFill>
-                <a:latin typeface="+mj-lt"/>
-                <a:ea typeface="+mj-ea"/>
-                <a:cs typeface="+mj-cs"/>
+                <a:latin typeface="Heiti SC Medium" pitchFamily="2" charset="-128"/>
+                <a:ea typeface="Heiti SC Medium" pitchFamily="2" charset="-128"/>
               </a:rPr>
               <a:t>The Analysis</a:t>
             </a:r>
@@ -29473,9 +29582,8 @@
                 <a:solidFill>
                   <a:schemeClr val="bg1"/>
                 </a:solidFill>
-                <a:latin typeface="+mj-lt"/>
-                <a:ea typeface="+mj-ea"/>
-                <a:cs typeface="+mj-cs"/>
+                <a:latin typeface="Heiti SC Medium" pitchFamily="2" charset="-128"/>
+                <a:ea typeface="Heiti SC Medium" pitchFamily="2" charset="-128"/>
               </a:rPr>
             </a:br>
             <a:r>
@@ -29483,9 +29591,8 @@
                 <a:solidFill>
                   <a:schemeClr val="bg1"/>
                 </a:solidFill>
-                <a:latin typeface="+mj-lt"/>
-                <a:ea typeface="+mj-ea"/>
-                <a:cs typeface="+mj-cs"/>
+                <a:latin typeface="HEITI SC MEDIUM" pitchFamily="2" charset="-128"/>
+                <a:ea typeface="HEITI SC MEDIUM" pitchFamily="2" charset="-128"/>
               </a:rPr>
               <a:t>Question 3: </a:t>
             </a:r>
@@ -29494,85 +29601,14 @@
                 <a:solidFill>
                   <a:schemeClr val="bg1"/>
                 </a:solidFill>
-                <a:latin typeface="+mj-lt"/>
-                <a:ea typeface="+mj-ea"/>
-                <a:cs typeface="+mj-cs"/>
+                <a:latin typeface="Heiti SC Medium" pitchFamily="2" charset="-128"/>
+                <a:ea typeface="Heiti SC Medium" pitchFamily="2" charset="-128"/>
               </a:rPr>
               <a:t>Which countries are Rockbuster customers based in?</a:t>
             </a:r>
           </a:p>
         </p:txBody>
       </p:sp>
-      <p:pic>
-        <p:nvPicPr>
-          <p:cNvPr id="9" name="Picture 8" descr="A map of the world with blue dots&#10;&#10;Description automatically generated">
-            <a:extLst>
-              <a:ext uri="{FF2B5EF4-FFF2-40B4-BE49-F238E27FC236}">
-                <a16:creationId xmlns:a16="http://schemas.microsoft.com/office/drawing/2014/main" id="{FBB50D91-B7D8-D02B-D96B-FF9B640541F0}"/>
-              </a:ext>
-            </a:extLst>
-          </p:cNvPr>
-          <p:cNvPicPr>
-            <a:picLocks noChangeAspect="1"/>
-          </p:cNvPicPr>
-          <p:nvPr/>
-        </p:nvPicPr>
-        <p:blipFill>
-          <a:blip r:embed="rId6"/>
-          <a:stretch>
-            <a:fillRect/>
-          </a:stretch>
-        </p:blipFill>
-        <p:spPr>
-          <a:xfrm>
-            <a:off x="3676216" y="563899"/>
-            <a:ext cx="6527483" cy="4136652"/>
-          </a:xfrm>
-          <a:prstGeom prst="rect">
-            <a:avLst/>
-          </a:prstGeom>
-          <a:ln>
-            <a:solidFill>
-              <a:schemeClr val="accent1"/>
-            </a:solidFill>
-          </a:ln>
-        </p:spPr>
-      </p:pic>
-      <p:pic>
-        <p:nvPicPr>
-          <p:cNvPr id="14" name="Picture 13" descr="A screenshot of a survey&#10;&#10;Description automatically generated">
-            <a:extLst>
-              <a:ext uri="{FF2B5EF4-FFF2-40B4-BE49-F238E27FC236}">
-                <a16:creationId xmlns:a16="http://schemas.microsoft.com/office/drawing/2014/main" id="{C87F8AB6-CDBC-42E3-1E93-FAF77229D70D}"/>
-              </a:ext>
-            </a:extLst>
-          </p:cNvPr>
-          <p:cNvPicPr>
-            <a:picLocks noChangeAspect="1"/>
-          </p:cNvPicPr>
-          <p:nvPr/>
-        </p:nvPicPr>
-        <p:blipFill>
-          <a:blip r:embed="rId7"/>
-          <a:stretch>
-            <a:fillRect/>
-          </a:stretch>
-        </p:blipFill>
-        <p:spPr>
-          <a:xfrm>
-            <a:off x="9067637" y="3488888"/>
-            <a:ext cx="1370175" cy="1809665"/>
-          </a:xfrm>
-          <a:prstGeom prst="rect">
-            <a:avLst/>
-          </a:prstGeom>
-          <a:ln>
-            <a:solidFill>
-              <a:schemeClr val="accent1"/>
-            </a:solidFill>
-          </a:ln>
-        </p:spPr>
-      </p:pic>
       <p:graphicFrame>
         <p:nvGraphicFramePr>
           <p:cNvPr id="15" name="Table 14">
@@ -29588,14 +29624,14 @@
           <p:nvPr>
             <p:extLst>
               <p:ext uri="{D42A27DB-BD31-4B8C-83A1-F6EECF244321}">
-                <p14:modId xmlns:p14="http://schemas.microsoft.com/office/powerpoint/2010/main" val="4065000423"/>
+                <p14:modId xmlns:p14="http://schemas.microsoft.com/office/powerpoint/2010/main" val="962897253"/>
               </p:ext>
             </p:extLst>
           </p:nvPr>
         </p:nvGraphicFramePr>
         <p:xfrm>
-          <a:off x="650304" y="563899"/>
-          <a:ext cx="2814788" cy="1949450"/>
+          <a:off x="262196" y="873216"/>
+          <a:ext cx="2819400" cy="1949450"/>
         </p:xfrm>
         <a:graphic>
           <a:graphicData uri="http://schemas.openxmlformats.org/drawingml/2006/table">
@@ -29611,21 +29647,21 @@
                 <a:tableStyleId>{5C22544A-7EE6-4342-B048-85BDC9FD1C3A}</a:tableStyleId>
               </a:tblPr>
               <a:tblGrid>
-                <a:gridCol w="427562">
+                <a:gridCol w="428263">
                   <a:extLst>
                     <a:ext uri="{9D8B030D-6E8A-4147-A177-3AD203B41FA5}">
                       <a16:colId xmlns:a16="http://schemas.microsoft.com/office/drawing/2014/main" val="1360861640"/>
                     </a:ext>
                   </a:extLst>
                 </a:gridCol>
-                <a:gridCol w="1070024">
+                <a:gridCol w="1071777">
                   <a:extLst>
                     <a:ext uri="{9D8B030D-6E8A-4147-A177-3AD203B41FA5}">
                       <a16:colId xmlns:a16="http://schemas.microsoft.com/office/drawing/2014/main" val="1374291958"/>
                     </a:ext>
                   </a:extLst>
                 </a:gridCol>
-                <a:gridCol w="1317202">
+                <a:gridCol w="1319360">
                   <a:extLst>
                     <a:ext uri="{9D8B030D-6E8A-4147-A177-3AD203B41FA5}">
                       <a16:colId xmlns:a16="http://schemas.microsoft.com/office/drawing/2014/main" val="359657481"/>
@@ -29723,6 +29759,7 @@
                     <a:bodyPr/>
                     <a:lstStyle/>
                     <a:p>
+                      <a:pPr algn="r"/>
                       <a:r>
                         <a:rPr lang="en-US" sz="800" b="0" dirty="0">
                           <a:latin typeface="+mn-lt"/>
@@ -31224,13 +31261,13 @@
           <p:nvPr>
             <p:extLst>
               <p:ext uri="{D42A27DB-BD31-4B8C-83A1-F6EECF244321}">
-                <p14:modId xmlns:p14="http://schemas.microsoft.com/office/powerpoint/2010/main" val="2227209060"/>
+                <p14:modId xmlns:p14="http://schemas.microsoft.com/office/powerpoint/2010/main" val="2433855944"/>
               </p:ext>
             </p:extLst>
           </p:nvPr>
         </p:nvGraphicFramePr>
         <p:xfrm>
-          <a:off x="656795" y="2710518"/>
+          <a:off x="262196" y="2904896"/>
           <a:ext cx="2814788" cy="1949450"/>
         </p:xfrm>
         <a:graphic>
@@ -31359,11 +31396,71 @@
                     <a:bodyPr/>
                     <a:lstStyle/>
                     <a:p>
+                      <a:pPr marL="0" marR="0" lvl="0" indent="0" algn="r" defTabSz="457200" rtl="0" eaLnBrk="1" fontAlgn="auto" latinLnBrk="0" hangingPunct="1">
+                        <a:lnSpc>
+                          <a:spcPct val="100000"/>
+                        </a:lnSpc>
+                        <a:spcBef>
+                          <a:spcPts val="0"/>
+                        </a:spcBef>
+                        <a:spcAft>
+                          <a:spcPts val="0"/>
+                        </a:spcAft>
+                        <a:buClrTx/>
+                        <a:buSzTx/>
+                        <a:buFontTx/>
+                        <a:buNone/>
+                        <a:tabLst/>
+                        <a:defRPr/>
+                      </a:pPr>
                       <a:r>
                         <a:rPr lang="en-US" sz="800" b="0" dirty="0">
                           <a:latin typeface="+mn-lt"/>
                         </a:rPr>
-                        <a:t>Total Revenue (EUR)</a:t>
+                        <a:t>Total Reve</a:t>
+                      </a:r>
+                      <a:r>
+                        <a:rPr lang="en-US" sz="800" b="0" dirty="0">
+                          <a:solidFill>
+                            <a:schemeClr val="bg1"/>
+                          </a:solidFill>
+                          <a:latin typeface="+mn-lt"/>
+                        </a:rPr>
+                        <a:t>nue </a:t>
+                      </a:r>
+                      <a:r>
+                        <a:rPr lang="en-US" sz="800" b="0" dirty="0">
+                          <a:solidFill>
+                            <a:schemeClr val="bg1"/>
+                          </a:solidFill>
+                        </a:rPr>
+                        <a:t>(</a:t>
+                      </a:r>
+                      <a:r>
+                        <a:rPr lang="en-DE" sz="800" b="0" dirty="0">
+                          <a:solidFill>
+                            <a:schemeClr val="bg1"/>
+                          </a:solidFill>
+                          <a:effectLst/>
+                          <a:latin typeface="Menlo" panose="020B0609030804020204" pitchFamily="49" charset="0"/>
+                        </a:rPr>
+                        <a:t>¤</a:t>
+                      </a:r>
+                      <a:r>
+                        <a:rPr lang="en-DE" sz="800" b="0" dirty="0">
+                          <a:solidFill>
+                            <a:schemeClr val="bg1"/>
+                          </a:solidFill>
+                          <a:effectLst/>
+                          <a:latin typeface="+mj-lt"/>
+                        </a:rPr>
+                        <a:t>)</a:t>
+                      </a:r>
+                      <a:r>
+                        <a:rPr lang="en-US" sz="800" b="0" dirty="0">
+                          <a:latin typeface="+mn-lt"/>
+                        </a:rPr>
+                        <a:t> </a:t>
                       </a:r>
                     </a:p>
                   </a:txBody>
@@ -31511,7 +31608,7 @@
                           <a:effectLst/>
                           <a:latin typeface="+mn-lt"/>
                         </a:rPr>
-                        <a:t>6034.78</a:t>
+                        <a:t>6 628</a:t>
                       </a:r>
                     </a:p>
                   </a:txBody>
@@ -31652,7 +31749,7 @@
                           <a:effectLst/>
                           <a:latin typeface="+mn-lt"/>
                         </a:rPr>
-                        <a:t>5251.03</a:t>
+                        <a:t>5 799</a:t>
                       </a:r>
                     </a:p>
                   </a:txBody>
@@ -31796,7 +31893,7 @@
                           <a:effectLst/>
                           <a:latin typeface="+mn-lt"/>
                         </a:rPr>
-                        <a:t>3685.31</a:t>
+                        <a:t>4 110</a:t>
                       </a:r>
                     </a:p>
                   </a:txBody>
@@ -31937,7 +32034,7 @@
                           <a:effectLst/>
                           <a:latin typeface="+mn-lt"/>
                         </a:rPr>
-                        <a:t>3122.51</a:t>
+                        <a:t>3 471</a:t>
                       </a:r>
                     </a:p>
                   </a:txBody>
@@ -32081,7 +32178,7 @@
                           <a:effectLst/>
                           <a:latin typeface="+mn-lt"/>
                         </a:rPr>
-                        <a:t>2984.82</a:t>
+                        <a:t>3 307</a:t>
                       </a:r>
                     </a:p>
                   </a:txBody>
@@ -32222,7 +32319,7 @@
                           <a:effectLst/>
                           <a:latin typeface="+mn-lt"/>
                         </a:rPr>
-                        <a:t>2919.19</a:t>
+                        <a:t>3 201</a:t>
                       </a:r>
                     </a:p>
                   </a:txBody>
@@ -32366,7 +32463,7 @@
                           <a:effectLst/>
                           <a:latin typeface="+mn-lt"/>
                         </a:rPr>
-                        <a:t>2765.62</a:t>
+                        <a:t>3 046</a:t>
                       </a:r>
                     </a:p>
                   </a:txBody>
@@ -32507,7 +32604,7 @@
                           <a:effectLst/>
                           <a:latin typeface="+mn-lt"/>
                         </a:rPr>
-                        <a:t>2219.70</a:t>
+                        <a:t>2 381</a:t>
                       </a:r>
                     </a:p>
                   </a:txBody>
@@ -32651,7 +32748,7 @@
                           <a:effectLst/>
                           <a:latin typeface="+mn-lt"/>
                         </a:rPr>
-                        <a:t>1498.49</a:t>
+                        <a:t>1 662</a:t>
                       </a:r>
                     </a:p>
                   </a:txBody>
@@ -32800,7 +32897,7 @@
                           <a:effectLst/>
                           <a:latin typeface="+mn-lt"/>
                         </a:rPr>
-                        <a:t>1352.69</a:t>
+                        <a:t>1 510</a:t>
                       </a:r>
                     </a:p>
                   </a:txBody>
@@ -32845,6 +32942,66 @@
           </a:graphicData>
         </a:graphic>
       </p:graphicFrame>
+      <p:pic>
+        <p:nvPicPr>
+          <p:cNvPr id="4" name="Picture 3">
+            <a:extLst>
+              <a:ext uri="{FF2B5EF4-FFF2-40B4-BE49-F238E27FC236}">
+                <a16:creationId xmlns:a16="http://schemas.microsoft.com/office/drawing/2014/main" id="{269F2FF3-E5D3-AF35-25EF-93A382A5C71E}"/>
+              </a:ext>
+            </a:extLst>
+          </p:cNvPr>
+          <p:cNvPicPr>
+            <a:picLocks noChangeAspect="1"/>
+          </p:cNvPicPr>
+          <p:nvPr/>
+        </p:nvPicPr>
+        <p:blipFill>
+          <a:blip r:embed="rId6"/>
+          <a:stretch>
+            <a:fillRect/>
+          </a:stretch>
+        </p:blipFill>
+        <p:spPr>
+          <a:xfrm>
+            <a:off x="3244926" y="397328"/>
+            <a:ext cx="7075381" cy="4509105"/>
+          </a:xfrm>
+          <a:prstGeom prst="rect">
+            <a:avLst/>
+          </a:prstGeom>
+        </p:spPr>
+      </p:pic>
+      <p:pic>
+        <p:nvPicPr>
+          <p:cNvPr id="3" name="Picture 2">
+            <a:extLst>
+              <a:ext uri="{FF2B5EF4-FFF2-40B4-BE49-F238E27FC236}">
+                <a16:creationId xmlns:a16="http://schemas.microsoft.com/office/drawing/2014/main" id="{78777EC8-E7D9-8BC9-508F-F05FAEB95FD4}"/>
+              </a:ext>
+            </a:extLst>
+          </p:cNvPr>
+          <p:cNvPicPr>
+            <a:picLocks noChangeAspect="1"/>
+          </p:cNvPicPr>
+          <p:nvPr/>
+        </p:nvPicPr>
+        <p:blipFill>
+          <a:blip r:embed="rId7"/>
+          <a:stretch>
+            <a:fillRect/>
+          </a:stretch>
+        </p:blipFill>
+        <p:spPr>
+          <a:xfrm>
+            <a:off x="10018712" y="3654113"/>
+            <a:ext cx="1238464" cy="1802653"/>
+          </a:xfrm>
+          <a:prstGeom prst="rect">
+            <a:avLst/>
+          </a:prstGeom>
+        </p:spPr>
+      </p:pic>
     </p:spTree>
     <p:extLst>
       <p:ext uri="{BB962C8B-B14F-4D97-AF65-F5344CB8AC3E}">
@@ -34122,6 +34279,8 @@
                 <a:solidFill>
                   <a:schemeClr val="tx1"/>
                 </a:solidFill>
+                <a:latin typeface="Heiti SC Medium" pitchFamily="2" charset="-128"/>
+                <a:ea typeface="Heiti SC Medium" pitchFamily="2" charset="-128"/>
               </a:rPr>
               <a:t>The Analysis</a:t>
             </a:r>
@@ -34130,6 +34289,8 @@
                 <a:solidFill>
                   <a:schemeClr val="tx1"/>
                 </a:solidFill>
+                <a:latin typeface="Heiti SC Medium" pitchFamily="2" charset="-128"/>
+                <a:ea typeface="Heiti SC Medium" pitchFamily="2" charset="-128"/>
               </a:rPr>
             </a:br>
             <a:r>
@@ -34137,6 +34298,8 @@
                 <a:solidFill>
                   <a:schemeClr val="tx1"/>
                 </a:solidFill>
+                <a:latin typeface="HEITI SC MEDIUM" pitchFamily="2" charset="-128"/>
+                <a:ea typeface="HEITI SC MEDIUM" pitchFamily="2" charset="-128"/>
               </a:rPr>
               <a:t>Question 4:</a:t>
             </a:r>
@@ -34145,12 +34308,44 @@
                 <a:solidFill>
                   <a:schemeClr val="tx1"/>
                 </a:solidFill>
+                <a:latin typeface="Heiti SC Medium" pitchFamily="2" charset="-128"/>
+                <a:ea typeface="Heiti SC Medium" pitchFamily="2" charset="-128"/>
               </a:rPr>
               <a:t> Where are customers with a high lifetime value based?</a:t>
             </a:r>
           </a:p>
         </p:txBody>
       </p:sp>
+      <p:pic>
+        <p:nvPicPr>
+          <p:cNvPr id="4" name="Picture 3">
+            <a:extLst>
+              <a:ext uri="{FF2B5EF4-FFF2-40B4-BE49-F238E27FC236}">
+                <a16:creationId xmlns:a16="http://schemas.microsoft.com/office/drawing/2014/main" id="{B20C8611-9E9A-8DEB-CA64-9B13EAFC4939}"/>
+              </a:ext>
+            </a:extLst>
+          </p:cNvPr>
+          <p:cNvPicPr>
+            <a:picLocks noChangeAspect="1"/>
+          </p:cNvPicPr>
+          <p:nvPr/>
+        </p:nvPicPr>
+        <p:blipFill>
+          <a:blip r:embed="rId7"/>
+          <a:stretch>
+            <a:fillRect/>
+          </a:stretch>
+        </p:blipFill>
+        <p:spPr>
+          <a:xfrm>
+            <a:off x="421303" y="283809"/>
+            <a:ext cx="7156807" cy="4593946"/>
+          </a:xfrm>
+          <a:prstGeom prst="rect">
+            <a:avLst/>
+          </a:prstGeom>
+        </p:spPr>
+      </p:pic>
       <p:graphicFrame>
         <p:nvGraphicFramePr>
           <p:cNvPr id="14" name="Table 13">
@@ -34166,14 +34361,14 @@
           <p:nvPr>
             <p:extLst>
               <p:ext uri="{D42A27DB-BD31-4B8C-83A1-F6EECF244321}">
-                <p14:modId xmlns:p14="http://schemas.microsoft.com/office/powerpoint/2010/main" val="3824542710"/>
+                <p14:modId xmlns:p14="http://schemas.microsoft.com/office/powerpoint/2010/main" val="73965782"/>
               </p:ext>
             </p:extLst>
           </p:nvPr>
         </p:nvGraphicFramePr>
         <p:xfrm>
-          <a:off x="7232204" y="1526411"/>
-          <a:ext cx="2705360" cy="1280160"/>
+          <a:off x="7314946" y="955616"/>
+          <a:ext cx="2705359" cy="1524000"/>
         </p:xfrm>
         <a:graphic>
           <a:graphicData uri="http://schemas.openxmlformats.org/drawingml/2006/table">
@@ -34189,17 +34384,24 @@
                 <a:tableStyleId>{5C22544A-7EE6-4342-B048-85BDC9FD1C3A}</a:tableStyleId>
               </a:tblPr>
               <a:tblGrid>
-                <a:gridCol w="1174820">
+                <a:gridCol w="750327">
                   <a:extLst>
                     <a:ext uri="{9D8B030D-6E8A-4147-A177-3AD203B41FA5}">
                       <a16:colId xmlns:a16="http://schemas.microsoft.com/office/drawing/2014/main" val="1579969653"/>
                     </a:ext>
                   </a:extLst>
                 </a:gridCol>
-                <a:gridCol w="1530540">
+                <a:gridCol w="977516">
                   <a:extLst>
                     <a:ext uri="{9D8B030D-6E8A-4147-A177-3AD203B41FA5}">
                       <a16:colId xmlns:a16="http://schemas.microsoft.com/office/drawing/2014/main" val="1601174494"/>
+                    </a:ext>
+                  </a:extLst>
+                </a:gridCol>
+                <a:gridCol w="977516">
+                  <a:extLst>
+                    <a:ext uri="{9D8B030D-6E8A-4147-A177-3AD203B41FA5}">
+                      <a16:colId xmlns:a16="http://schemas.microsoft.com/office/drawing/2014/main" val="988118978"/>
                     </a:ext>
                   </a:extLst>
                 </a:gridCol>
@@ -34231,6 +34433,64 @@
                   </a:txBody>
                   <a:tcPr/>
                 </a:tc>
+                <a:tc>
+                  <a:txBody>
+                    <a:bodyPr/>
+                    <a:lstStyle/>
+                    <a:p>
+                      <a:pPr algn="r"/>
+                      <a:r>
+                        <a:rPr lang="en-US" sz="800" b="0" dirty="0"/>
+                        <a:t>Average CL</a:t>
+                      </a:r>
+                      <a:r>
+                        <a:rPr lang="en-US" sz="800" b="0" dirty="0">
+                          <a:solidFill>
+                            <a:schemeClr val="tx1"/>
+                          </a:solidFill>
+                        </a:rPr>
+                        <a:t>V (</a:t>
+                      </a:r>
+                      <a:r>
+                        <a:rPr lang="en-DE" sz="800" b="0" dirty="0">
+                          <a:solidFill>
+                            <a:schemeClr val="tx1"/>
+                          </a:solidFill>
+                          <a:effectLst/>
+                          <a:latin typeface="Menlo" panose="020B0609030804020204" pitchFamily="49" charset="0"/>
+                        </a:rPr>
+                        <a:t>¤</a:t>
+                      </a:r>
+                      <a:r>
+                        <a:rPr lang="en-DE" sz="800" b="0" kern="1200" dirty="0">
+                          <a:solidFill>
+                            <a:schemeClr val="tx1"/>
+                          </a:solidFill>
+                          <a:effectLst/>
+                          <a:latin typeface="+mn-lt"/>
+                          <a:ea typeface="+mn-ea"/>
+                          <a:cs typeface="+mn-cs"/>
+                        </a:rPr>
+                        <a:t>)</a:t>
+                      </a:r>
+                      <a:r>
+                        <a:rPr lang="en-US" sz="800" b="0" dirty="0">
+                          <a:solidFill>
+                            <a:schemeClr val="tx1"/>
+                          </a:solidFill>
+                          <a:latin typeface="+mn-lt"/>
+                        </a:rPr>
+                        <a:t> </a:t>
+                      </a:r>
+                      <a:endParaRPr lang="en-US" sz="800" b="0" dirty="0">
+                        <a:solidFill>
+                          <a:schemeClr val="tx1"/>
+                        </a:solidFill>
+                      </a:endParaRPr>
+                    </a:p>
+                  </a:txBody>
+                  <a:tcPr/>
+                </a:tc>
                 <a:extLst>
                   <a:ext uri="{0D108BD9-81ED-4DB2-BD59-A6C34878D82A}">
                     <a16:rowId xmlns:a16="http://schemas.microsoft.com/office/drawing/2014/main" val="3567471997"/>
@@ -34245,155 +34505,7 @@
                     <a:p>
                       <a:r>
                         <a:rPr lang="en-US" sz="800" b="0" dirty="0"/>
-                        <a:t>India</a:t>
-                      </a:r>
-                    </a:p>
-                  </a:txBody>
-                  <a:tcPr>
-                    <a:solidFill>
-                      <a:schemeClr val="tx1"/>
-                    </a:solidFill>
-                  </a:tcPr>
-                </a:tc>
-                <a:tc>
-                  <a:txBody>
-                    <a:bodyPr/>
-                    <a:lstStyle/>
-                    <a:p>
-                      <a:r>
-                        <a:rPr lang="en-US" sz="800" b="0" dirty="0"/>
-                        <a:t>5</a:t>
-                      </a:r>
-                    </a:p>
-                  </a:txBody>
-                  <a:tcPr>
-                    <a:solidFill>
-                      <a:schemeClr val="tx1"/>
-                    </a:solidFill>
-                  </a:tcPr>
-                </a:tc>
-                <a:extLst>
-                  <a:ext uri="{0D108BD9-81ED-4DB2-BD59-A6C34878D82A}">
-                    <a16:rowId xmlns:a16="http://schemas.microsoft.com/office/drawing/2014/main" val="2105609969"/>
-                  </a:ext>
-                </a:extLst>
-              </a:tr>
-              <a:tr h="162184">
-                <a:tc>
-                  <a:txBody>
-                    <a:bodyPr/>
-                    <a:lstStyle/>
-                    <a:p>
-                      <a:r>
-                        <a:rPr lang="en-US" sz="800" b="0" dirty="0"/>
-                        <a:t>United States</a:t>
-                      </a:r>
-                    </a:p>
-                  </a:txBody>
-                  <a:tcPr/>
-                </a:tc>
-                <a:tc>
-                  <a:txBody>
-                    <a:bodyPr/>
-                    <a:lstStyle/>
-                    <a:p>
-                      <a:r>
-                        <a:rPr lang="en-US" sz="800" b="0" dirty="0"/>
-                        <a:t>1</a:t>
-                      </a:r>
-                    </a:p>
-                  </a:txBody>
-                  <a:tcPr/>
-                </a:tc>
-                <a:extLst>
-                  <a:ext uri="{0D108BD9-81ED-4DB2-BD59-A6C34878D82A}">
-                    <a16:rowId xmlns:a16="http://schemas.microsoft.com/office/drawing/2014/main" val="1544709910"/>
-                  </a:ext>
-                </a:extLst>
-              </a:tr>
-              <a:tr h="162184">
-                <a:tc>
-                  <a:txBody>
-                    <a:bodyPr/>
-                    <a:lstStyle/>
-                    <a:p>
-                      <a:r>
-                        <a:rPr lang="en-US" sz="800" b="0" dirty="0"/>
-                        <a:t>Japan</a:t>
-                      </a:r>
-                    </a:p>
-                  </a:txBody>
-                  <a:tcPr>
-                    <a:solidFill>
-                      <a:schemeClr val="tx1"/>
-                    </a:solidFill>
-                  </a:tcPr>
-                </a:tc>
-                <a:tc>
-                  <a:txBody>
-                    <a:bodyPr/>
-                    <a:lstStyle/>
-                    <a:p>
-                      <a:r>
-                        <a:rPr lang="en-US" sz="800" b="0" dirty="0"/>
-                        <a:t>2</a:t>
-                      </a:r>
-                    </a:p>
-                  </a:txBody>
-                  <a:tcPr>
-                    <a:solidFill>
-                      <a:schemeClr val="tx1"/>
-                    </a:solidFill>
-                  </a:tcPr>
-                </a:tc>
-                <a:extLst>
-                  <a:ext uri="{0D108BD9-81ED-4DB2-BD59-A6C34878D82A}">
-                    <a16:rowId xmlns:a16="http://schemas.microsoft.com/office/drawing/2014/main" val="2496066103"/>
-                  </a:ext>
-                </a:extLst>
-              </a:tr>
-              <a:tr h="162184">
-                <a:tc>
-                  <a:txBody>
-                    <a:bodyPr/>
-                    <a:lstStyle/>
-                    <a:p>
-                      <a:r>
-                        <a:rPr lang="en-US" sz="800" b="0" dirty="0"/>
-                        <a:t>Brazil</a:t>
-                      </a:r>
-                    </a:p>
-                  </a:txBody>
-                  <a:tcPr/>
-                </a:tc>
-                <a:tc>
-                  <a:txBody>
-                    <a:bodyPr/>
-                    <a:lstStyle/>
-                    <a:p>
-                      <a:r>
-                        <a:rPr lang="en-US" sz="800" b="0" dirty="0"/>
-                        <a:t>1</a:t>
-                      </a:r>
-                    </a:p>
-                  </a:txBody>
-                  <a:tcPr/>
-                </a:tc>
-                <a:extLst>
-                  <a:ext uri="{0D108BD9-81ED-4DB2-BD59-A6C34878D82A}">
-                    <a16:rowId xmlns:a16="http://schemas.microsoft.com/office/drawing/2014/main" val="2929757859"/>
-                  </a:ext>
-                </a:extLst>
-              </a:tr>
-              <a:tr h="162184">
-                <a:tc>
-                  <a:txBody>
-                    <a:bodyPr/>
-                    <a:lstStyle/>
-                    <a:p>
-                      <a:r>
-                        <a:rPr lang="en-US" sz="800" b="0" dirty="0"/>
-                        <a:t>Russian Federation</a:t>
+                        <a:t>Réunion</a:t>
                       </a:r>
                     </a:p>
                   </a:txBody>
@@ -34420,6 +34532,236 @@
                     </a:solidFill>
                   </a:tcPr>
                 </a:tc>
+                <a:tc>
+                  <a:txBody>
+                    <a:bodyPr/>
+                    <a:lstStyle/>
+                    <a:p>
+                      <a:pPr algn="r"/>
+                      <a:r>
+                        <a:rPr lang="en-US" sz="800" b="0" dirty="0"/>
+                        <a:t>216,54</a:t>
+                      </a:r>
+                    </a:p>
+                  </a:txBody>
+                  <a:tcPr>
+                    <a:solidFill>
+                      <a:schemeClr val="tx1"/>
+                    </a:solidFill>
+                  </a:tcPr>
+                </a:tc>
+                <a:extLst>
+                  <a:ext uri="{0D108BD9-81ED-4DB2-BD59-A6C34878D82A}">
+                    <a16:rowId xmlns:a16="http://schemas.microsoft.com/office/drawing/2014/main" val="2105609969"/>
+                  </a:ext>
+                </a:extLst>
+              </a:tr>
+              <a:tr h="162184">
+                <a:tc>
+                  <a:txBody>
+                    <a:bodyPr/>
+                    <a:lstStyle/>
+                    <a:p>
+                      <a:r>
+                        <a:rPr lang="en-US" sz="800" b="0" dirty="0"/>
+                        <a:t>Vatican City</a:t>
+                      </a:r>
+                    </a:p>
+                  </a:txBody>
+                  <a:tcPr/>
+                </a:tc>
+                <a:tc>
+                  <a:txBody>
+                    <a:bodyPr/>
+                    <a:lstStyle/>
+                    <a:p>
+                      <a:r>
+                        <a:rPr lang="en-US" sz="800" b="0" dirty="0"/>
+                        <a:t>1</a:t>
+                      </a:r>
+                    </a:p>
+                  </a:txBody>
+                  <a:tcPr/>
+                </a:tc>
+                <a:tc>
+                  <a:txBody>
+                    <a:bodyPr/>
+                    <a:lstStyle/>
+                    <a:p>
+                      <a:pPr algn="r"/>
+                      <a:r>
+                        <a:rPr lang="en-US" sz="800" b="0" dirty="0"/>
+                        <a:t>152,66</a:t>
+                      </a:r>
+                    </a:p>
+                  </a:txBody>
+                  <a:tcPr/>
+                </a:tc>
+                <a:extLst>
+                  <a:ext uri="{0D108BD9-81ED-4DB2-BD59-A6C34878D82A}">
+                    <a16:rowId xmlns:a16="http://schemas.microsoft.com/office/drawing/2014/main" val="1544709910"/>
+                  </a:ext>
+                </a:extLst>
+              </a:tr>
+              <a:tr h="162184">
+                <a:tc>
+                  <a:txBody>
+                    <a:bodyPr/>
+                    <a:lstStyle/>
+                    <a:p>
+                      <a:r>
+                        <a:rPr lang="en-US" sz="800" b="0" dirty="0"/>
+                        <a:t>Nauru</a:t>
+                      </a:r>
+                    </a:p>
+                  </a:txBody>
+                  <a:tcPr>
+                    <a:solidFill>
+                      <a:schemeClr val="tx1"/>
+                    </a:solidFill>
+                  </a:tcPr>
+                </a:tc>
+                <a:tc>
+                  <a:txBody>
+                    <a:bodyPr/>
+                    <a:lstStyle/>
+                    <a:p>
+                      <a:r>
+                        <a:rPr lang="en-US" sz="800" b="0" dirty="0"/>
+                        <a:t>1</a:t>
+                      </a:r>
+                    </a:p>
+                  </a:txBody>
+                  <a:tcPr>
+                    <a:solidFill>
+                      <a:schemeClr val="tx1"/>
+                    </a:solidFill>
+                  </a:tcPr>
+                </a:tc>
+                <a:tc>
+                  <a:txBody>
+                    <a:bodyPr/>
+                    <a:lstStyle/>
+                    <a:p>
+                      <a:pPr algn="r"/>
+                      <a:r>
+                        <a:rPr lang="en-US" sz="800" b="0" dirty="0"/>
+                        <a:t>148,69</a:t>
+                      </a:r>
+                    </a:p>
+                  </a:txBody>
+                  <a:tcPr>
+                    <a:solidFill>
+                      <a:schemeClr val="tx1"/>
+                    </a:solidFill>
+                  </a:tcPr>
+                </a:tc>
+                <a:extLst>
+                  <a:ext uri="{0D108BD9-81ED-4DB2-BD59-A6C34878D82A}">
+                    <a16:rowId xmlns:a16="http://schemas.microsoft.com/office/drawing/2014/main" val="2496066103"/>
+                  </a:ext>
+                </a:extLst>
+              </a:tr>
+              <a:tr h="162184">
+                <a:tc>
+                  <a:txBody>
+                    <a:bodyPr/>
+                    <a:lstStyle/>
+                    <a:p>
+                      <a:r>
+                        <a:rPr lang="en-US" sz="800" b="0" dirty="0"/>
+                        <a:t>Sweden</a:t>
+                      </a:r>
+                    </a:p>
+                  </a:txBody>
+                  <a:tcPr/>
+                </a:tc>
+                <a:tc>
+                  <a:txBody>
+                    <a:bodyPr/>
+                    <a:lstStyle/>
+                    <a:p>
+                      <a:r>
+                        <a:rPr lang="en-US" sz="800" b="0" dirty="0"/>
+                        <a:t>1</a:t>
+                      </a:r>
+                    </a:p>
+                  </a:txBody>
+                  <a:tcPr/>
+                </a:tc>
+                <a:tc>
+                  <a:txBody>
+                    <a:bodyPr/>
+                    <a:lstStyle/>
+                    <a:p>
+                      <a:pPr algn="r"/>
+                      <a:r>
+                        <a:rPr lang="en-US" sz="800" b="0" dirty="0"/>
+                        <a:t>144,66</a:t>
+                      </a:r>
+                    </a:p>
+                  </a:txBody>
+                  <a:tcPr/>
+                </a:tc>
+                <a:extLst>
+                  <a:ext uri="{0D108BD9-81ED-4DB2-BD59-A6C34878D82A}">
+                    <a16:rowId xmlns:a16="http://schemas.microsoft.com/office/drawing/2014/main" val="2929757859"/>
+                  </a:ext>
+                </a:extLst>
+              </a:tr>
+              <a:tr h="162184">
+                <a:tc>
+                  <a:txBody>
+                    <a:bodyPr/>
+                    <a:lstStyle/>
+                    <a:p>
+                      <a:r>
+                        <a:rPr lang="en-US" sz="800" b="0" dirty="0"/>
+                        <a:t>Hong Kong</a:t>
+                      </a:r>
+                    </a:p>
+                  </a:txBody>
+                  <a:tcPr>
+                    <a:solidFill>
+                      <a:schemeClr val="tx1"/>
+                    </a:solidFill>
+                  </a:tcPr>
+                </a:tc>
+                <a:tc>
+                  <a:txBody>
+                    <a:bodyPr/>
+                    <a:lstStyle/>
+                    <a:p>
+                      <a:r>
+                        <a:rPr lang="en-US" sz="800" b="0" dirty="0"/>
+                        <a:t>1</a:t>
+                      </a:r>
+                    </a:p>
+                  </a:txBody>
+                  <a:tcPr>
+                    <a:solidFill>
+                      <a:schemeClr val="tx1"/>
+                    </a:solidFill>
+                  </a:tcPr>
+                </a:tc>
+                <a:tc>
+                  <a:txBody>
+                    <a:bodyPr/>
+                    <a:lstStyle/>
+                    <a:p>
+                      <a:pPr algn="r"/>
+                      <a:r>
+                        <a:rPr lang="en-US" sz="800" b="0" dirty="0"/>
+                        <a:t>142,70</a:t>
+                      </a:r>
+                    </a:p>
+                  </a:txBody>
+                  <a:tcPr>
+                    <a:solidFill>
+                      <a:schemeClr val="tx1"/>
+                    </a:solidFill>
+                  </a:tcPr>
+                </a:tc>
                 <a:extLst>
                   <a:ext uri="{0D108BD9-81ED-4DB2-BD59-A6C34878D82A}">
                     <a16:rowId xmlns:a16="http://schemas.microsoft.com/office/drawing/2014/main" val="2357991727"/>
@@ -34432,45 +34774,10 @@
       </p:graphicFrame>
       <p:pic>
         <p:nvPicPr>
-          <p:cNvPr id="24" name="Picture 23" descr="A map of the world&#10;&#10;Description automatically generated">
+          <p:cNvPr id="2" name="Picture 1">
             <a:extLst>
               <a:ext uri="{FF2B5EF4-FFF2-40B4-BE49-F238E27FC236}">
-                <a16:creationId xmlns:a16="http://schemas.microsoft.com/office/drawing/2014/main" id="{FE48B007-4BBF-42DC-3321-C102C4738790}"/>
-              </a:ext>
-            </a:extLst>
-          </p:cNvPr>
-          <p:cNvPicPr>
-            <a:picLocks noChangeAspect="1"/>
-          </p:cNvPicPr>
-          <p:nvPr/>
-        </p:nvPicPr>
-        <p:blipFill>
-          <a:blip r:embed="rId7"/>
-          <a:stretch>
-            <a:fillRect/>
-          </a:stretch>
-        </p:blipFill>
-        <p:spPr>
-          <a:xfrm>
-            <a:off x="696375" y="423608"/>
-            <a:ext cx="6293644" cy="4156019"/>
-          </a:xfrm>
-          <a:prstGeom prst="rect">
-            <a:avLst/>
-          </a:prstGeom>
-          <a:ln>
-            <a:solidFill>
-              <a:schemeClr val="bg2"/>
-            </a:solidFill>
-          </a:ln>
-        </p:spPr>
-      </p:pic>
-      <p:pic>
-        <p:nvPicPr>
-          <p:cNvPr id="6" name="Picture 5" descr="A blue and grey text on a white background&#10;&#10;Description automatically generated">
-            <a:extLst>
-              <a:ext uri="{FF2B5EF4-FFF2-40B4-BE49-F238E27FC236}">
-                <a16:creationId xmlns:a16="http://schemas.microsoft.com/office/drawing/2014/main" id="{F0041B70-DF4E-587F-E612-F9A02335D3F4}"/>
+                <a16:creationId xmlns:a16="http://schemas.microsoft.com/office/drawing/2014/main" id="{CE099455-F6AB-CC06-59B2-C4C18AEADF8C}"/>
               </a:ext>
             </a:extLst>
           </p:cNvPr>
@@ -34487,18 +34794,12 @@
         </p:blipFill>
         <p:spPr>
           <a:xfrm>
-            <a:off x="6279982" y="4296801"/>
-            <a:ext cx="1420076" cy="620752"/>
+            <a:off x="7095512" y="3099017"/>
+            <a:ext cx="1874938" cy="2020282"/>
           </a:xfrm>
           <a:prstGeom prst="rect">
             <a:avLst/>
           </a:prstGeom>
-          <a:ln>
-            <a:solidFill>
-              <a:schemeClr val="bg2"/>
-            </a:solidFill>
-          </a:ln>
-          <a:effectLst/>
         </p:spPr>
       </p:pic>
     </p:spTree>
